--- a/docs/mif16_pres_3122009.pptx
+++ b/docs/mif16_pres_3122009.pptx
@@ -210,7 +210,8 @@
           <a:p>
             <a:fld id="{3627E41C-9DED-454A-BA86-B1FB0F2E11DD}" type="datetimeFigureOut">
               <a:rPr lang="fr-FR" smtClean="0"/>
-              <a:t>27/11/2009</a:t>
+              <a:pPr/>
+              <a:t>01/12/2009</a:t>
             </a:fld>
             <a:endParaRPr lang="fr-FR" dirty="0"/>
           </a:p>
@@ -276,7 +277,8 @@
           <a:p>
             <a:fld id="{4F29158C-6F51-44C6-AF6F-10E4C34981B1}" type="slidenum">
               <a:rPr lang="fr-FR" smtClean="0"/>
-              <a:t>‹#›</a:t>
+              <a:pPr/>
+              <a:t>‹N°›</a:t>
             </a:fld>
             <a:endParaRPr lang="fr-FR" dirty="0"/>
           </a:p>
@@ -371,7 +373,8 @@
           <a:p>
             <a:fld id="{1A848AD5-F262-4221-8058-E449AA51B277}" type="datetimeFigureOut">
               <a:rPr lang="fr-FR" smtClean="0"/>
-              <a:t>27/11/2009</a:t>
+              <a:pPr/>
+              <a:t>01/12/2009</a:t>
             </a:fld>
             <a:endParaRPr lang="fr-FR" dirty="0"/>
           </a:p>
@@ -532,7 +535,8 @@
           <a:p>
             <a:fld id="{7EDF6394-A603-432F-BA01-014ADB97624B}" type="slidenum">
               <a:rPr lang="fr-FR" smtClean="0"/>
-              <a:t>‹#›</a:t>
+              <a:pPr/>
+              <a:t>‹N°›</a:t>
             </a:fld>
             <a:endParaRPr lang="fr-FR" dirty="0"/>
           </a:p>
@@ -704,6 +708,7 @@
           <a:p>
             <a:fld id="{7EDF6394-A603-432F-BA01-014ADB97624B}" type="slidenum">
               <a:rPr lang="fr-FR" smtClean="0"/>
+              <a:pPr/>
               <a:t>2</a:t>
             </a:fld>
             <a:endParaRPr lang="fr-FR" dirty="0"/>
@@ -785,6 +790,7 @@
           <a:p>
             <a:fld id="{7EDF6394-A603-432F-BA01-014ADB97624B}" type="slidenum">
               <a:rPr lang="fr-FR" smtClean="0"/>
+              <a:pPr/>
               <a:t>3</a:t>
             </a:fld>
             <a:endParaRPr lang="fr-FR" dirty="0"/>
@@ -998,7 +1004,8 @@
           <a:p>
             <a:fld id="{2ACE6BAD-AAE8-4B0C-8461-DF193741C2AC}" type="slidenum">
               <a:rPr lang="fr-FR" smtClean="0"/>
-              <a:t>‹#›</a:t>
+              <a:pPr/>
+              <a:t>‹N°›</a:t>
             </a:fld>
             <a:endParaRPr lang="fr-FR" dirty="0"/>
           </a:p>
@@ -1351,7 +1358,8 @@
           <a:p>
             <a:fld id="{2ACE6BAD-AAE8-4B0C-8461-DF193741C2AC}" type="slidenum">
               <a:rPr lang="fr-FR" smtClean="0"/>
-              <a:t>‹#›</a:t>
+              <a:pPr/>
+              <a:t>‹N°›</a:t>
             </a:fld>
             <a:endParaRPr lang="fr-FR" dirty="0"/>
           </a:p>
@@ -1530,7 +1538,8 @@
           <a:p>
             <a:fld id="{2ACE6BAD-AAE8-4B0C-8461-DF193741C2AC}" type="slidenum">
               <a:rPr lang="fr-FR" smtClean="0"/>
-              <a:t>‹#›</a:t>
+              <a:pPr/>
+              <a:t>‹N°›</a:t>
             </a:fld>
             <a:endParaRPr lang="fr-FR" dirty="0"/>
           </a:p>
@@ -1769,7 +1778,8 @@
           <a:p>
             <a:fld id="{2ACE6BAD-AAE8-4B0C-8461-DF193741C2AC}" type="slidenum">
               <a:rPr lang="fr-FR" smtClean="0"/>
-              <a:t>‹#›</a:t>
+              <a:pPr/>
+              <a:t>‹N°›</a:t>
             </a:fld>
             <a:endParaRPr lang="fr-FR" dirty="0"/>
           </a:p>
@@ -2052,7 +2062,8 @@
           <a:p>
             <a:fld id="{2ACE6BAD-AAE8-4B0C-8461-DF193741C2AC}" type="slidenum">
               <a:rPr lang="fr-FR" smtClean="0"/>
-              <a:t>‹#›</a:t>
+              <a:pPr/>
+              <a:t>‹N°›</a:t>
             </a:fld>
             <a:endParaRPr lang="fr-FR" dirty="0"/>
           </a:p>
@@ -2266,7 +2277,8 @@
           <a:p>
             <a:fld id="{2ACE6BAD-AAE8-4B0C-8461-DF193741C2AC}" type="slidenum">
               <a:rPr lang="fr-FR" smtClean="0"/>
-              <a:t>‹#›</a:t>
+              <a:pPr/>
+              <a:t>‹N°›</a:t>
             </a:fld>
             <a:endParaRPr lang="fr-FR" dirty="0"/>
           </a:p>
@@ -2622,7 +2634,8 @@
           <a:p>
             <a:fld id="{2ACE6BAD-AAE8-4B0C-8461-DF193741C2AC}" type="slidenum">
               <a:rPr lang="fr-FR" smtClean="0"/>
-              <a:t>‹#›</a:t>
+              <a:pPr/>
+              <a:t>‹N°›</a:t>
             </a:fld>
             <a:endParaRPr lang="fr-FR" dirty="0"/>
           </a:p>
@@ -2858,7 +2871,8 @@
           <a:p>
             <a:fld id="{2ACE6BAD-AAE8-4B0C-8461-DF193741C2AC}" type="slidenum">
               <a:rPr lang="fr-FR" smtClean="0"/>
-              <a:t>‹#›</a:t>
+              <a:pPr/>
+              <a:t>‹N°›</a:t>
             </a:fld>
             <a:endParaRPr lang="fr-FR" dirty="0"/>
           </a:p>
@@ -3002,7 +3016,8 @@
           <a:p>
             <a:fld id="{2ACE6BAD-AAE8-4B0C-8461-DF193741C2AC}" type="slidenum">
               <a:rPr lang="fr-FR" smtClean="0"/>
-              <a:t>‹#›</a:t>
+              <a:pPr/>
+              <a:t>‹N°›</a:t>
             </a:fld>
             <a:endParaRPr lang="fr-FR" dirty="0"/>
           </a:p>
@@ -3283,7 +3298,8 @@
           <a:p>
             <a:fld id="{2ACE6BAD-AAE8-4B0C-8461-DF193741C2AC}" type="slidenum">
               <a:rPr lang="fr-FR" smtClean="0"/>
-              <a:t>‹#›</a:t>
+              <a:pPr/>
+              <a:t>‹N°›</a:t>
             </a:fld>
             <a:endParaRPr lang="fr-FR" dirty="0"/>
           </a:p>
@@ -3694,7 +3710,8 @@
           <a:p>
             <a:fld id="{2ACE6BAD-AAE8-4B0C-8461-DF193741C2AC}" type="slidenum">
               <a:rPr lang="fr-FR" smtClean="0"/>
-              <a:t>‹#›</a:t>
+              <a:pPr/>
+              <a:t>‹N°›</a:t>
             </a:fld>
             <a:endParaRPr lang="fr-FR" dirty="0"/>
           </a:p>
@@ -4068,7 +4085,8 @@
           <a:p>
             <a:fld id="{2ACE6BAD-AAE8-4B0C-8461-DF193741C2AC}" type="slidenum">
               <a:rPr lang="fr-FR" smtClean="0"/>
-              <a:t>‹#›</a:t>
+              <a:pPr/>
+              <a:t>‹N°›</a:t>
             </a:fld>
             <a:endParaRPr lang="fr-FR" dirty="0"/>
           </a:p>
@@ -4763,37 +4781,7 @@
                 <a:latin typeface="Calibri" pitchFamily="34" charset="0"/>
                 <a:cs typeface="Calibri" pitchFamily="34" charset="0"/>
               </a:rPr>
-              <a:t> → </a:t>
-            </a:r>
-            <a:r>
-              <a:rPr lang="fr-FR" b="1" i="1" dirty="0" smtClean="0">
-                <a:solidFill>
-                  <a:srgbClr val="0070C0"/>
-                </a:solidFill>
-                <a:latin typeface="Calibri" pitchFamily="34" charset="0"/>
-                <a:cs typeface="Calibri" pitchFamily="34" charset="0"/>
-              </a:rPr>
-              <a:t>Les </a:t>
-            </a:r>
-            <a:r>
-              <a:rPr lang="fr-FR" b="1" i="1" dirty="0" smtClean="0">
-                <a:solidFill>
-                  <a:srgbClr val="0070C0"/>
-                </a:solidFill>
-                <a:latin typeface="Calibri" pitchFamily="34" charset="0"/>
-                <a:cs typeface="Calibri" pitchFamily="34" charset="0"/>
-              </a:rPr>
-              <a:t>outils </a:t>
-            </a:r>
-            <a:r>
-              <a:rPr lang="fr-FR" b="1" i="1" dirty="0" smtClean="0">
-                <a:solidFill>
-                  <a:srgbClr val="0070C0"/>
-                </a:solidFill>
-                <a:latin typeface="Calibri" pitchFamily="34" charset="0"/>
-                <a:cs typeface="Calibri" pitchFamily="34" charset="0"/>
-              </a:rPr>
-              <a:t>collaboratifs (4)</a:t>
+              <a:t> → Les outils collaboratifs (4)</a:t>
             </a:r>
             <a:endParaRPr lang="fr-FR" dirty="0">
               <a:solidFill>
@@ -4936,35 +4924,7 @@
                 <a:latin typeface="Calibri" pitchFamily="34" charset="0"/>
                 <a:cs typeface="Calibri" pitchFamily="34" charset="0"/>
               </a:rPr>
-              <a:t>l’</a:t>
-            </a:r>
-            <a:r>
-              <a:rPr lang="fr-FR" i="1" dirty="0" smtClean="0">
-                <a:latin typeface="Calibri" pitchFamily="34" charset="0"/>
-                <a:cs typeface="Calibri" pitchFamily="34" charset="0"/>
-              </a:rPr>
-              <a:t>extreme</a:t>
-            </a:r>
-            <a:r>
-              <a:rPr lang="fr-FR" i="1" dirty="0" smtClean="0">
-                <a:latin typeface="Calibri" pitchFamily="34" charset="0"/>
-                <a:cs typeface="Calibri" pitchFamily="34" charset="0"/>
-              </a:rPr>
-              <a:t> </a:t>
-            </a:r>
-            <a:r>
-              <a:rPr lang="fr-FR" i="1" dirty="0" smtClean="0">
-                <a:latin typeface="Calibri" pitchFamily="34" charset="0"/>
-                <a:cs typeface="Calibri" pitchFamily="34" charset="0"/>
-              </a:rPr>
-              <a:t>programming</a:t>
-            </a:r>
-            <a:r>
-              <a:rPr lang="fr-FR" i="1" dirty="0" smtClean="0">
-                <a:latin typeface="Calibri" pitchFamily="34" charset="0"/>
-                <a:cs typeface="Calibri" pitchFamily="34" charset="0"/>
-              </a:rPr>
-              <a:t> »</a:t>
+              <a:t>l’extreme programming »</a:t>
             </a:r>
             <a:r>
               <a:rPr lang="fr-FR" b="1" i="1" dirty="0" smtClean="0">
@@ -5039,7 +4999,7 @@
           <p:nvPr/>
         </p:nvPicPr>
         <p:blipFill>
-          <a:blip r:embed="rId2"/>
+          <a:blip r:embed="rId2" cstate="print"/>
           <a:srcRect/>
           <a:stretch>
             <a:fillRect/>
@@ -5142,17 +5102,7 @@
                 <a:latin typeface="Calibri" pitchFamily="34" charset="0"/>
                 <a:cs typeface="Calibri" pitchFamily="34" charset="0"/>
               </a:rPr>
-              <a:t> → </a:t>
-            </a:r>
-            <a:r>
-              <a:rPr lang="fr-FR" b="1" i="1" dirty="0" smtClean="0">
-                <a:solidFill>
-                  <a:srgbClr val="0070C0"/>
-                </a:solidFill>
-                <a:latin typeface="Calibri" pitchFamily="34" charset="0"/>
-                <a:cs typeface="Calibri" pitchFamily="34" charset="0"/>
-              </a:rPr>
-              <a:t>Les outils collaboratifs (5)</a:t>
+              <a:t> → Les outils collaboratifs (5)</a:t>
             </a:r>
             <a:endParaRPr lang="fr-FR" b="1" i="1" dirty="0">
               <a:solidFill>
@@ -5260,28 +5210,28 @@
                 <a:latin typeface="Calibri" pitchFamily="34" charset="0"/>
                 <a:cs typeface="Calibri" pitchFamily="34" charset="0"/>
               </a:rPr>
-              <a:t>Permet de d’obtenir une « </a:t>
+              <a:t>Permet </a:t>
+            </a:r>
+            <a:r>
+              <a:rPr lang="fr-FR" dirty="0" smtClean="0">
+                <a:latin typeface="Calibri" pitchFamily="34" charset="0"/>
+                <a:cs typeface="Calibri" pitchFamily="34" charset="0"/>
+              </a:rPr>
+              <a:t>d’obtenir </a:t>
+            </a:r>
+            <a:r>
+              <a:rPr lang="fr-FR" dirty="0" smtClean="0">
+                <a:latin typeface="Calibri" pitchFamily="34" charset="0"/>
+                <a:cs typeface="Calibri" pitchFamily="34" charset="0"/>
+              </a:rPr>
+              <a:t>une « </a:t>
             </a:r>
             <a:r>
               <a:rPr lang="fr-FR" i="1" dirty="0" smtClean="0">
                 <a:latin typeface="Calibri" pitchFamily="34" charset="0"/>
                 <a:cs typeface="Calibri" pitchFamily="34" charset="0"/>
               </a:rPr>
-              <a:t>mailing </a:t>
-            </a:r>
-            <a:r>
-              <a:rPr lang="fr-FR" i="1" dirty="0" smtClean="0">
-                <a:latin typeface="Calibri" pitchFamily="34" charset="0"/>
-                <a:cs typeface="Calibri" pitchFamily="34" charset="0"/>
-              </a:rPr>
-              <a:t>list</a:t>
-            </a:r>
-            <a:r>
-              <a:rPr lang="fr-FR" i="1" dirty="0" smtClean="0">
-                <a:latin typeface="Calibri" pitchFamily="34" charset="0"/>
-                <a:cs typeface="Calibri" pitchFamily="34" charset="0"/>
-              </a:rPr>
-              <a:t> » </a:t>
+              <a:t>mailing list » </a:t>
             </a:r>
             <a:r>
               <a:rPr lang="fr-FR" dirty="0" smtClean="0">
@@ -5335,10 +5285,6 @@
               </a:rPr>
               <a:t>Espace privé pour diffuser les informations sensibles</a:t>
             </a:r>
-            <a:endParaRPr lang="fr-FR" dirty="0" smtClean="0">
-              <a:latin typeface="Calibri" pitchFamily="34" charset="0"/>
-              <a:cs typeface="Calibri" pitchFamily="34" charset="0"/>
-            </a:endParaRPr>
           </a:p>
           <a:p>
             <a:pPr lvl="1"/>
@@ -5361,7 +5307,7 @@
           <p:nvPr/>
         </p:nvPicPr>
         <p:blipFill>
-          <a:blip r:embed="rId2"/>
+          <a:blip r:embed="rId2" cstate="print"/>
           <a:srcRect/>
           <a:stretch>
             <a:fillRect/>
@@ -5464,17 +5410,7 @@
                 <a:latin typeface="Calibri" pitchFamily="34" charset="0"/>
                 <a:cs typeface="Calibri" pitchFamily="34" charset="0"/>
               </a:rPr>
-              <a:t> → </a:t>
-            </a:r>
-            <a:r>
-              <a:rPr lang="fr-FR" b="1" i="1" dirty="0" smtClean="0">
-                <a:solidFill>
-                  <a:srgbClr val="0070C0"/>
-                </a:solidFill>
-                <a:latin typeface="Calibri" pitchFamily="34" charset="0"/>
-                <a:cs typeface="Calibri" pitchFamily="34" charset="0"/>
-              </a:rPr>
-              <a:t>Le côté technique	</a:t>
+              <a:t> → Le côté technique	</a:t>
             </a:r>
             <a:endParaRPr lang="fr-FR" b="1" i="1" dirty="0">
               <a:solidFill>
@@ -5794,17 +5730,7 @@
                 <a:latin typeface="Calibri" pitchFamily="34" charset="0"/>
                 <a:cs typeface="Calibri" pitchFamily="34" charset="0"/>
               </a:rPr>
-              <a:t> → </a:t>
-            </a:r>
-            <a:r>
-              <a:rPr lang="fr-FR" b="1" i="1" dirty="0" smtClean="0">
-                <a:solidFill>
-                  <a:srgbClr val="0070C0"/>
-                </a:solidFill>
-                <a:latin typeface="Calibri" pitchFamily="34" charset="0"/>
-                <a:cs typeface="Calibri" pitchFamily="34" charset="0"/>
-              </a:rPr>
-              <a:t>Le côté technique (2)</a:t>
+              <a:t> → Le côté technique (2)</a:t>
             </a:r>
             <a:r>
               <a:rPr lang="fr-FR" b="1" dirty="0" smtClean="0">
@@ -6146,17 +6072,7 @@
                 <a:latin typeface="Calibri" pitchFamily="34" charset="0"/>
                 <a:cs typeface="Calibri" pitchFamily="34" charset="0"/>
               </a:rPr>
-              <a:t> → </a:t>
-            </a:r>
-            <a:r>
-              <a:rPr lang="fr-FR" b="1" i="1" dirty="0" smtClean="0">
-                <a:solidFill>
-                  <a:srgbClr val="0070C0"/>
-                </a:solidFill>
-                <a:latin typeface="Calibri" pitchFamily="34" charset="0"/>
-                <a:cs typeface="Calibri" pitchFamily="34" charset="0"/>
-              </a:rPr>
-              <a:t>Et l’aspect organisationnel</a:t>
+              <a:t> → Et l’aspect organisationnel</a:t>
             </a:r>
             <a:r>
               <a:rPr lang="fr-FR" dirty="0" smtClean="0">
@@ -6313,10 +6229,6 @@
               </a:rPr>
               <a:t>Savoir être polyvalents</a:t>
             </a:r>
-            <a:endParaRPr lang="fr-FR" dirty="0" smtClean="0">
-              <a:latin typeface="Calibri" pitchFamily="34" charset="0"/>
-              <a:cs typeface="Calibri" pitchFamily="34" charset="0"/>
-            </a:endParaRPr>
           </a:p>
           <a:p>
             <a:endParaRPr lang="fr-FR" dirty="0">
@@ -7271,17 +7183,7 @@
                 <a:latin typeface="Calibri" pitchFamily="34" charset="0"/>
                 <a:cs typeface="Calibri" pitchFamily="34" charset="0"/>
               </a:rPr>
-              <a:t> → </a:t>
-            </a:r>
-            <a:r>
-              <a:rPr lang="fr-FR" b="1" i="1" dirty="0" smtClean="0">
-                <a:solidFill>
-                  <a:srgbClr val="0070C0"/>
-                </a:solidFill>
-                <a:latin typeface="Calibri" pitchFamily="34" charset="0"/>
-                <a:cs typeface="Calibri" pitchFamily="34" charset="0"/>
-              </a:rPr>
-              <a:t>Description</a:t>
+              <a:t> → Description</a:t>
             </a:r>
             <a:endParaRPr lang="fr-FR" b="1" i="1" dirty="0">
               <a:solidFill>
@@ -7514,17 +7416,7 @@
                 <a:latin typeface="Calibri" pitchFamily="34" charset="0"/>
                 <a:cs typeface="Calibri" pitchFamily="34" charset="0"/>
               </a:rPr>
-              <a:t> → </a:t>
-            </a:r>
-            <a:r>
-              <a:rPr lang="fr-FR" b="1" i="1" dirty="0" smtClean="0">
-                <a:solidFill>
-                  <a:srgbClr val="0070C0"/>
-                </a:solidFill>
-                <a:latin typeface="Calibri" pitchFamily="34" charset="0"/>
-                <a:cs typeface="Calibri" pitchFamily="34" charset="0"/>
-              </a:rPr>
-              <a:t>L’Équipe de développement</a:t>
+              <a:t> → L’Équipe de développement</a:t>
             </a:r>
             <a:endParaRPr lang="fr-FR" b="1" i="1" dirty="0">
               <a:solidFill>
@@ -7631,35 +7523,7 @@
                 <a:latin typeface="Calibri" pitchFamily="34" charset="0"/>
                 <a:cs typeface="Calibri" pitchFamily="34" charset="0"/>
               </a:rPr>
-              <a:t>Benjamin « Is </a:t>
-            </a:r>
-            <a:r>
-              <a:rPr lang="fr-FR" dirty="0" smtClean="0">
-                <a:latin typeface="Calibri" pitchFamily="34" charset="0"/>
-                <a:cs typeface="Calibri" pitchFamily="34" charset="0"/>
-              </a:rPr>
-              <a:t>there</a:t>
-            </a:r>
-            <a:r>
-              <a:rPr lang="fr-FR" dirty="0" smtClean="0">
-                <a:latin typeface="Calibri" pitchFamily="34" charset="0"/>
-                <a:cs typeface="Calibri" pitchFamily="34" charset="0"/>
-              </a:rPr>
-              <a:t> a pilot on </a:t>
-            </a:r>
-            <a:r>
-              <a:rPr lang="fr-FR" dirty="0" smtClean="0">
-                <a:latin typeface="Calibri" pitchFamily="34" charset="0"/>
-                <a:cs typeface="Calibri" pitchFamily="34" charset="0"/>
-              </a:rPr>
-              <a:t>board</a:t>
-            </a:r>
-            <a:r>
-              <a:rPr lang="fr-FR" dirty="0" smtClean="0">
-                <a:latin typeface="Calibri" pitchFamily="34" charset="0"/>
-                <a:cs typeface="Calibri" pitchFamily="34" charset="0"/>
-              </a:rPr>
-              <a:t> ?! » Guillon</a:t>
+              <a:t>Benjamin « Is there a pilot on board ?! » Guillon</a:t>
             </a:r>
           </a:p>
           <a:p>
@@ -7685,21 +7549,27 @@
                 <a:latin typeface="Calibri" pitchFamily="34" charset="0"/>
                 <a:cs typeface="Calibri" pitchFamily="34" charset="0"/>
               </a:rPr>
-              <a:t>Rémi « </a:t>
-            </a:r>
+              <a:t>Rémi « Rising Sun » Auduon</a:t>
+            </a:r>
+          </a:p>
+          <a:p>
+            <a:pPr lvl="1"/>
             <a:r>
               <a:rPr lang="fr-FR" dirty="0" smtClean="0">
                 <a:latin typeface="Calibri" pitchFamily="34" charset="0"/>
                 <a:cs typeface="Calibri" pitchFamily="34" charset="0"/>
               </a:rPr>
-              <a:t>Rising</a:t>
-            </a:r>
+              <a:t>Emmanuel « Geek Touch » Gaude</a:t>
+            </a:r>
+          </a:p>
+          <a:p>
+            <a:pPr lvl="1"/>
             <a:r>
               <a:rPr lang="fr-FR" dirty="0" smtClean="0">
                 <a:latin typeface="Calibri" pitchFamily="34" charset="0"/>
                 <a:cs typeface="Calibri" pitchFamily="34" charset="0"/>
               </a:rPr>
-              <a:t> Sun » Auduon</a:t>
+              <a:t>Adrian « Two-Times-In-Better-Than-One » Gaudebert</a:t>
             </a:r>
           </a:p>
           <a:p>
@@ -7709,149 +7579,17 @@
                 <a:latin typeface="Calibri" pitchFamily="34" charset="0"/>
                 <a:cs typeface="Calibri" pitchFamily="34" charset="0"/>
               </a:rPr>
-              <a:t>Emmanuel « </a:t>
-            </a:r>
+              <a:t>Emmanuel « The Kid » Halter</a:t>
+            </a:r>
+          </a:p>
+          <a:p>
+            <a:pPr lvl="1"/>
             <a:r>
               <a:rPr lang="fr-FR" dirty="0" smtClean="0">
                 <a:latin typeface="Calibri" pitchFamily="34" charset="0"/>
                 <a:cs typeface="Calibri" pitchFamily="34" charset="0"/>
               </a:rPr>
-              <a:t>Geek</a:t>
-            </a:r>
-            <a:r>
-              <a:rPr lang="fr-FR" dirty="0" smtClean="0">
-                <a:latin typeface="Calibri" pitchFamily="34" charset="0"/>
-                <a:cs typeface="Calibri" pitchFamily="34" charset="0"/>
-              </a:rPr>
-              <a:t> </a:t>
-            </a:r>
-            <a:r>
-              <a:rPr lang="fr-FR" dirty="0" smtClean="0">
-                <a:latin typeface="Calibri" pitchFamily="34" charset="0"/>
-                <a:cs typeface="Calibri" pitchFamily="34" charset="0"/>
-              </a:rPr>
-              <a:t>Touch</a:t>
-            </a:r>
-            <a:r>
-              <a:rPr lang="fr-FR" dirty="0" smtClean="0">
-                <a:latin typeface="Calibri" pitchFamily="34" charset="0"/>
-                <a:cs typeface="Calibri" pitchFamily="34" charset="0"/>
-              </a:rPr>
-              <a:t> » Gaude</a:t>
-            </a:r>
-          </a:p>
-          <a:p>
-            <a:pPr lvl="1"/>
-            <a:r>
-              <a:rPr lang="fr-FR" dirty="0" smtClean="0">
-                <a:latin typeface="Calibri" pitchFamily="34" charset="0"/>
-                <a:cs typeface="Calibri" pitchFamily="34" charset="0"/>
-              </a:rPr>
-              <a:t>Adrian « </a:t>
-            </a:r>
-            <a:r>
-              <a:rPr lang="fr-FR" dirty="0" smtClean="0">
-                <a:latin typeface="Calibri" pitchFamily="34" charset="0"/>
-                <a:cs typeface="Calibri" pitchFamily="34" charset="0"/>
-              </a:rPr>
-              <a:t>Two</a:t>
-            </a:r>
-            <a:r>
-              <a:rPr lang="fr-FR" dirty="0" smtClean="0">
-                <a:latin typeface="Calibri" pitchFamily="34" charset="0"/>
-                <a:cs typeface="Calibri" pitchFamily="34" charset="0"/>
-              </a:rPr>
-              <a:t>-Times-In-</a:t>
-            </a:r>
-            <a:r>
-              <a:rPr lang="fr-FR" dirty="0" smtClean="0">
-                <a:latin typeface="Calibri" pitchFamily="34" charset="0"/>
-                <a:cs typeface="Calibri" pitchFamily="34" charset="0"/>
-              </a:rPr>
-              <a:t>Better</a:t>
-            </a:r>
-            <a:r>
-              <a:rPr lang="fr-FR" dirty="0" smtClean="0">
-                <a:latin typeface="Calibri" pitchFamily="34" charset="0"/>
-                <a:cs typeface="Calibri" pitchFamily="34" charset="0"/>
-              </a:rPr>
-              <a:t>-</a:t>
-            </a:r>
-            <a:r>
-              <a:rPr lang="fr-FR" dirty="0" smtClean="0">
-                <a:latin typeface="Calibri" pitchFamily="34" charset="0"/>
-                <a:cs typeface="Calibri" pitchFamily="34" charset="0"/>
-              </a:rPr>
-              <a:t>Than</a:t>
-            </a:r>
-            <a:r>
-              <a:rPr lang="fr-FR" dirty="0" smtClean="0">
-                <a:latin typeface="Calibri" pitchFamily="34" charset="0"/>
-                <a:cs typeface="Calibri" pitchFamily="34" charset="0"/>
-              </a:rPr>
-              <a:t>-One » Gaudebert</a:t>
-            </a:r>
-          </a:p>
-          <a:p>
-            <a:pPr lvl="1"/>
-            <a:r>
-              <a:rPr lang="fr-FR" dirty="0" smtClean="0">
-                <a:latin typeface="Calibri" pitchFamily="34" charset="0"/>
-                <a:cs typeface="Calibri" pitchFamily="34" charset="0"/>
-              </a:rPr>
-              <a:t>Emmanuel « The Kid » Halter</a:t>
-            </a:r>
-          </a:p>
-          <a:p>
-            <a:pPr lvl="1"/>
-            <a:r>
-              <a:rPr lang="fr-FR" dirty="0" smtClean="0">
-                <a:latin typeface="Calibri" pitchFamily="34" charset="0"/>
-                <a:cs typeface="Calibri" pitchFamily="34" charset="0"/>
-              </a:rPr>
-              <a:t>Mamy « </a:t>
-            </a:r>
-            <a:r>
-              <a:rPr lang="fr-FR" dirty="0" smtClean="0">
-                <a:latin typeface="Calibri" pitchFamily="34" charset="0"/>
-                <a:cs typeface="Calibri" pitchFamily="34" charset="0"/>
-              </a:rPr>
-              <a:t>Dying</a:t>
-            </a:r>
-            <a:r>
-              <a:rPr lang="fr-FR" dirty="0" smtClean="0">
-                <a:latin typeface="Calibri" pitchFamily="34" charset="0"/>
-                <a:cs typeface="Calibri" pitchFamily="34" charset="0"/>
-              </a:rPr>
-              <a:t> </a:t>
-            </a:r>
-            <a:r>
-              <a:rPr lang="fr-FR" dirty="0" smtClean="0">
-                <a:latin typeface="Calibri" pitchFamily="34" charset="0"/>
-                <a:cs typeface="Calibri" pitchFamily="34" charset="0"/>
-              </a:rPr>
-              <a:t>from</a:t>
-            </a:r>
-            <a:r>
-              <a:rPr lang="fr-FR" dirty="0" smtClean="0">
-                <a:latin typeface="Calibri" pitchFamily="34" charset="0"/>
-                <a:cs typeface="Calibri" pitchFamily="34" charset="0"/>
-              </a:rPr>
-              <a:t> </a:t>
-            </a:r>
-            <a:r>
-              <a:rPr lang="fr-FR" dirty="0" smtClean="0">
-                <a:latin typeface="Calibri" pitchFamily="34" charset="0"/>
-                <a:cs typeface="Calibri" pitchFamily="34" charset="0"/>
-              </a:rPr>
-              <a:t>starvation</a:t>
-            </a:r>
-            <a:r>
-              <a:rPr lang="fr-FR" dirty="0" smtClean="0">
-                <a:latin typeface="Calibri" pitchFamily="34" charset="0"/>
-                <a:cs typeface="Calibri" pitchFamily="34" charset="0"/>
-              </a:rPr>
-              <a:t> » Raminosoa</a:t>
+              <a:t>Mamy « Dying from starvation » Raminosoa</a:t>
             </a:r>
             <a:endParaRPr lang="fr-FR" dirty="0">
               <a:latin typeface="Calibri" pitchFamily="34" charset="0"/>
@@ -7936,17 +7674,7 @@
                 <a:latin typeface="Calibri" pitchFamily="34" charset="0"/>
                 <a:cs typeface="Calibri" pitchFamily="34" charset="0"/>
               </a:rPr>
-              <a:t>	 → </a:t>
-            </a:r>
-            <a:r>
-              <a:rPr lang="fr-FR" b="1" i="1" dirty="0" smtClean="0">
-                <a:solidFill>
-                  <a:srgbClr val="0070C0"/>
-                </a:solidFill>
-                <a:latin typeface="Calibri" pitchFamily="34" charset="0"/>
-                <a:cs typeface="Calibri" pitchFamily="34" charset="0"/>
-              </a:rPr>
-              <a:t>Le framework : cakePHP</a:t>
+              <a:t>	 → Le framework : cakePHP</a:t>
             </a:r>
             <a:endParaRPr lang="fr-FR" b="1" i="1" dirty="0">
               <a:solidFill>
@@ -8102,7 +7830,7 @@
           <p:nvPr/>
         </p:nvPicPr>
         <p:blipFill>
-          <a:blip r:embed="rId2"/>
+          <a:blip r:embed="rId2" cstate="print"/>
           <a:srcRect/>
           <a:stretch>
             <a:fillRect/>
@@ -8195,17 +7923,7 @@
                 <a:latin typeface="Calibri" pitchFamily="34" charset="0"/>
                 <a:cs typeface="Calibri" pitchFamily="34" charset="0"/>
               </a:rPr>
-              <a:t>	 → </a:t>
-            </a:r>
-            <a:r>
-              <a:rPr lang="fr-FR" b="1" i="1" dirty="0" smtClean="0">
-                <a:solidFill>
-                  <a:srgbClr val="0070C0"/>
-                </a:solidFill>
-                <a:latin typeface="Calibri" pitchFamily="34" charset="0"/>
-                <a:cs typeface="Calibri" pitchFamily="34" charset="0"/>
-              </a:rPr>
-              <a:t>Le framework : cakePHP (2)</a:t>
+              <a:t>	 → Le framework : cakePHP (2)</a:t>
             </a:r>
             <a:endParaRPr lang="fr-FR" b="1" i="1" dirty="0">
               <a:solidFill>
@@ -8321,23 +8039,7 @@
                 <a:cs typeface="Calibri" pitchFamily="34" charset="0"/>
                 <a:hlinkClick r:id="rId2"/>
               </a:rPr>
-              <a:t>http</a:t>
-            </a:r>
-            <a:r>
-              <a:rPr lang="fr-FR" dirty="0" smtClean="0">
-                <a:latin typeface="Calibri" pitchFamily="34" charset="0"/>
-                <a:cs typeface="Calibri" pitchFamily="34" charset="0"/>
-                <a:hlinkClick r:id="rId2"/>
-              </a:rPr>
-              <a:t>://cakephp.org</a:t>
-            </a:r>
-            <a:r>
-              <a:rPr lang="fr-FR" dirty="0" smtClean="0">
-                <a:latin typeface="Calibri" pitchFamily="34" charset="0"/>
-                <a:cs typeface="Calibri" pitchFamily="34" charset="0"/>
-                <a:hlinkClick r:id="rId2"/>
-              </a:rPr>
-              <a:t>/</a:t>
+              <a:t>http://cakephp.org/</a:t>
             </a:r>
             <a:endParaRPr lang="fr-FR" dirty="0" smtClean="0">
               <a:latin typeface="Calibri" pitchFamily="34" charset="0"/>
@@ -8374,23 +8076,7 @@
                 <a:cs typeface="Calibri" pitchFamily="34" charset="0"/>
                 <a:hlinkClick r:id="rId3"/>
               </a:rPr>
-              <a:t>http</a:t>
-            </a:r>
-            <a:r>
-              <a:rPr lang="fr-FR" dirty="0" smtClean="0">
-                <a:latin typeface="Calibri" pitchFamily="34" charset="0"/>
-                <a:cs typeface="Calibri" pitchFamily="34" charset="0"/>
-                <a:hlinkClick r:id="rId3"/>
-              </a:rPr>
-              <a:t>://book.cakephp.org</a:t>
-            </a:r>
-            <a:r>
-              <a:rPr lang="fr-FR" dirty="0" smtClean="0">
-                <a:latin typeface="Calibri" pitchFamily="34" charset="0"/>
-                <a:cs typeface="Calibri" pitchFamily="34" charset="0"/>
-                <a:hlinkClick r:id="rId3"/>
-              </a:rPr>
-              <a:t>/</a:t>
+              <a:t>http://book.cakephp.org/</a:t>
             </a:r>
             <a:endParaRPr lang="fr-FR" dirty="0" smtClean="0">
               <a:latin typeface="Calibri" pitchFamily="34" charset="0"/>
@@ -8422,7 +8108,7 @@
           <p:nvPr/>
         </p:nvPicPr>
         <p:blipFill>
-          <a:blip r:embed="rId4"/>
+          <a:blip r:embed="rId4" cstate="print"/>
           <a:srcRect/>
           <a:stretch>
             <a:fillRect/>
@@ -8525,17 +8211,7 @@
                 <a:latin typeface="Calibri" pitchFamily="34" charset="0"/>
                 <a:cs typeface="Calibri" pitchFamily="34" charset="0"/>
               </a:rPr>
-              <a:t> → </a:t>
-            </a:r>
-            <a:r>
-              <a:rPr lang="fr-FR" b="1" i="1" dirty="0" smtClean="0">
-                <a:solidFill>
-                  <a:srgbClr val="0070C0"/>
-                </a:solidFill>
-                <a:latin typeface="Calibri" pitchFamily="34" charset="0"/>
-                <a:cs typeface="Calibri" pitchFamily="34" charset="0"/>
-              </a:rPr>
-              <a:t>Les outils collaboratifs</a:t>
+              <a:t> → Les outils collaboratifs</a:t>
             </a:r>
             <a:endParaRPr lang="fr-FR" b="1" i="1" dirty="0">
               <a:solidFill>
@@ -8659,10 +8335,6 @@
               </a:rPr>
               <a:t>Plateforme Google Code</a:t>
             </a:r>
-            <a:endParaRPr lang="fr-FR" dirty="0" smtClean="0">
-              <a:latin typeface="Calibri" pitchFamily="34" charset="0"/>
-              <a:cs typeface="Calibri" pitchFamily="34" charset="0"/>
-            </a:endParaRPr>
           </a:p>
           <a:p>
             <a:pPr lvl="1"/>
@@ -8673,10 +8345,6 @@
               </a:rPr>
               <a:t>Skype</a:t>
             </a:r>
-            <a:endParaRPr lang="fr-FR" dirty="0" smtClean="0">
-              <a:latin typeface="Calibri" pitchFamily="34" charset="0"/>
-              <a:cs typeface="Calibri" pitchFamily="34" charset="0"/>
-            </a:endParaRPr>
           </a:p>
           <a:p>
             <a:pPr lvl="1"/>
@@ -8786,37 +8454,7 @@
                 <a:latin typeface="Calibri" pitchFamily="34" charset="0"/>
                 <a:cs typeface="Calibri" pitchFamily="34" charset="0"/>
               </a:rPr>
-              <a:t> → </a:t>
-            </a:r>
-            <a:r>
-              <a:rPr lang="fr-FR" b="1" i="1" dirty="0" smtClean="0">
-                <a:solidFill>
-                  <a:srgbClr val="0070C0"/>
-                </a:solidFill>
-                <a:latin typeface="Calibri" pitchFamily="34" charset="0"/>
-                <a:cs typeface="Calibri" pitchFamily="34" charset="0"/>
-              </a:rPr>
-              <a:t>Les </a:t>
-            </a:r>
-            <a:r>
-              <a:rPr lang="fr-FR" b="1" i="1" dirty="0" smtClean="0">
-                <a:solidFill>
-                  <a:srgbClr val="0070C0"/>
-                </a:solidFill>
-                <a:latin typeface="Calibri" pitchFamily="34" charset="0"/>
-                <a:cs typeface="Calibri" pitchFamily="34" charset="0"/>
-              </a:rPr>
-              <a:t>outils </a:t>
-            </a:r>
-            <a:r>
-              <a:rPr lang="fr-FR" b="1" i="1" dirty="0" smtClean="0">
-                <a:solidFill>
-                  <a:srgbClr val="0070C0"/>
-                </a:solidFill>
-                <a:latin typeface="Calibri" pitchFamily="34" charset="0"/>
-                <a:cs typeface="Calibri" pitchFamily="34" charset="0"/>
-              </a:rPr>
-              <a:t>collaboratifs (2)</a:t>
+              <a:t> → Les outils collaboratifs (2)</a:t>
             </a:r>
             <a:endParaRPr lang="fr-FR" dirty="0">
               <a:solidFill>
@@ -8957,10 +8595,6 @@
               </a:rPr>
               <a:t>Un système de suivi du développement</a:t>
             </a:r>
-            <a:endParaRPr lang="fr-FR" dirty="0" smtClean="0">
-              <a:latin typeface="Calibri" pitchFamily="34" charset="0"/>
-              <a:cs typeface="Calibri" pitchFamily="34" charset="0"/>
-            </a:endParaRPr>
           </a:p>
           <a:p>
             <a:pPr lvl="3"/>
@@ -8976,21 +8610,7 @@
                 <a:latin typeface="Calibri" pitchFamily="34" charset="0"/>
                 <a:cs typeface="Calibri" pitchFamily="34" charset="0"/>
               </a:rPr>
-              <a:t>Gestion « d’issues » à l’aide du « bug </a:t>
-            </a:r>
-            <a:r>
-              <a:rPr lang="fr-FR" dirty="0" smtClean="0">
-                <a:latin typeface="Calibri" pitchFamily="34" charset="0"/>
-                <a:cs typeface="Calibri" pitchFamily="34" charset="0"/>
-              </a:rPr>
-              <a:t>tracker</a:t>
-            </a:r>
-            <a:r>
-              <a:rPr lang="fr-FR" dirty="0" smtClean="0">
-                <a:latin typeface="Calibri" pitchFamily="34" charset="0"/>
-                <a:cs typeface="Calibri" pitchFamily="34" charset="0"/>
-              </a:rPr>
-              <a:t> » intégré</a:t>
+              <a:t>Gestion « d’issues » à l’aide du « bug tracker » intégré</a:t>
             </a:r>
           </a:p>
           <a:p>
@@ -9042,7 +8662,7 @@
           <p:nvPr/>
         </p:nvPicPr>
         <p:blipFill>
-          <a:blip r:embed="rId2"/>
+          <a:blip r:embed="rId2" cstate="print"/>
           <a:srcRect/>
           <a:stretch>
             <a:fillRect/>
@@ -9145,37 +8765,7 @@
                 <a:latin typeface="Calibri" pitchFamily="34" charset="0"/>
                 <a:cs typeface="Calibri" pitchFamily="34" charset="0"/>
               </a:rPr>
-              <a:t> → </a:t>
-            </a:r>
-            <a:r>
-              <a:rPr lang="fr-FR" b="1" i="1" dirty="0" smtClean="0">
-                <a:solidFill>
-                  <a:srgbClr val="0070C0"/>
-                </a:solidFill>
-                <a:latin typeface="Calibri" pitchFamily="34" charset="0"/>
-                <a:cs typeface="Calibri" pitchFamily="34" charset="0"/>
-              </a:rPr>
-              <a:t>Les </a:t>
-            </a:r>
-            <a:r>
-              <a:rPr lang="fr-FR" b="1" i="1" dirty="0" smtClean="0">
-                <a:solidFill>
-                  <a:srgbClr val="0070C0"/>
-                </a:solidFill>
-                <a:latin typeface="Calibri" pitchFamily="34" charset="0"/>
-                <a:cs typeface="Calibri" pitchFamily="34" charset="0"/>
-              </a:rPr>
-              <a:t>outils </a:t>
-            </a:r>
-            <a:r>
-              <a:rPr lang="fr-FR" b="1" i="1" dirty="0" smtClean="0">
-                <a:solidFill>
-                  <a:srgbClr val="0070C0"/>
-                </a:solidFill>
-                <a:latin typeface="Calibri" pitchFamily="34" charset="0"/>
-                <a:cs typeface="Calibri" pitchFamily="34" charset="0"/>
-              </a:rPr>
-              <a:t>collaboratifs (3)</a:t>
+              <a:t> → Les outils collaboratifs (3)</a:t>
             </a:r>
             <a:endParaRPr lang="fr-FR" dirty="0">
               <a:solidFill>
@@ -9302,19 +8892,8 @@
                 <a:latin typeface="Calibri" pitchFamily="34" charset="0"/>
                 <a:cs typeface="Calibri" pitchFamily="34" charset="0"/>
               </a:rPr>
-              <a:t>Gratuit pour la </a:t>
-            </a:r>
-            <a:r>
-              <a:rPr lang="fr-FR" dirty="0" smtClean="0">
-                <a:latin typeface="Calibri" pitchFamily="34" charset="0"/>
-                <a:cs typeface="Calibri" pitchFamily="34" charset="0"/>
-              </a:rPr>
-              <a:t>VoIP</a:t>
-            </a:r>
-            <a:endParaRPr lang="fr-FR" dirty="0" smtClean="0">
-              <a:latin typeface="Calibri" pitchFamily="34" charset="0"/>
-              <a:cs typeface="Calibri" pitchFamily="34" charset="0"/>
-            </a:endParaRPr>
+              <a:t>Gratuit pour la VoIP</a:t>
+            </a:r>
           </a:p>
           <a:p>
             <a:endParaRPr lang="fr-FR" dirty="0" smtClean="0">
@@ -9346,7 +8925,7 @@
           <p:nvPr/>
         </p:nvPicPr>
         <p:blipFill>
-          <a:blip r:embed="rId2"/>
+          <a:blip r:embed="rId2" cstate="print"/>
           <a:srcRect/>
           <a:stretch>
             <a:fillRect/>

--- a/docs/mif16_pres_3122009.pptx
+++ b/docs/mif16_pres_3122009.pptx
@@ -278,7 +278,7 @@
             <a:fld id="{4F29158C-6F51-44C6-AF6F-10E4C34981B1}" type="slidenum">
               <a:rPr lang="fr-FR" smtClean="0"/>
               <a:pPr/>
-              <a:t>‹N°›</a:t>
+              <a:t>‹#›</a:t>
             </a:fld>
             <a:endParaRPr lang="fr-FR" dirty="0"/>
           </a:p>
@@ -536,7 +536,7 @@
             <a:fld id="{7EDF6394-A603-432F-BA01-014ADB97624B}" type="slidenum">
               <a:rPr lang="fr-FR" smtClean="0"/>
               <a:pPr/>
-              <a:t>‹N°›</a:t>
+              <a:t>‹#›</a:t>
             </a:fld>
             <a:endParaRPr lang="fr-FR" dirty="0"/>
           </a:p>
@@ -687,6 +687,10 @@
           </a:bodyPr>
           <a:lstStyle/>
           <a:p>
+            <a:r>
+              <a:rPr lang="fr-FR" dirty="0" smtClean="0"/>
+              <a:t>EH</a:t>
+            </a:r>
             <a:endParaRPr lang="fr-FR" dirty="0"/>
           </a:p>
         </p:txBody>
@@ -709,7 +713,609 @@
             <a:fld id="{7EDF6394-A603-432F-BA01-014ADB97624B}" type="slidenum">
               <a:rPr lang="fr-FR" smtClean="0"/>
               <a:pPr/>
-              <a:t>2</a:t>
+              <a:t>1</a:t>
+            </a:fld>
+            <a:endParaRPr lang="fr-FR" dirty="0"/>
+          </a:p>
+        </p:txBody>
+      </p:sp>
+    </p:spTree>
+  </p:cSld>
+  <p:clrMapOvr>
+    <a:masterClrMapping/>
+  </p:clrMapOvr>
+</p:notes>
+</file>
+
+<file path=ppt/notesSlides/notesSlide10.xml><?xml version="1.0" encoding="utf-8"?>
+<p:notes xmlns:a="http://schemas.openxmlformats.org/drawingml/2006/main" xmlns:r="http://schemas.openxmlformats.org/officeDocument/2006/relationships" xmlns:p="http://schemas.openxmlformats.org/presentationml/2006/main">
+  <p:cSld>
+    <p:spTree>
+      <p:nvGrpSpPr>
+        <p:cNvPr id="1" name=""/>
+        <p:cNvGrpSpPr/>
+        <p:nvPr/>
+      </p:nvGrpSpPr>
+      <p:grpSpPr>
+        <a:xfrm>
+          <a:off x="0" y="0"/>
+          <a:ext cx="0" cy="0"/>
+          <a:chOff x="0" y="0"/>
+          <a:chExt cx="0" cy="0"/>
+        </a:xfrm>
+      </p:grpSpPr>
+      <p:sp>
+        <p:nvSpPr>
+          <p:cNvPr id="2" name="Slide Image Placeholder 1"/>
+          <p:cNvSpPr>
+            <a:spLocks noGrp="1" noRot="1" noChangeAspect="1"/>
+          </p:cNvSpPr>
+          <p:nvPr>
+            <p:ph type="sldImg"/>
+          </p:nvPr>
+        </p:nvSpPr>
+        <p:spPr/>
+      </p:sp>
+      <p:sp>
+        <p:nvSpPr>
+          <p:cNvPr id="3" name="Notes Placeholder 2"/>
+          <p:cNvSpPr>
+            <a:spLocks noGrp="1"/>
+          </p:cNvSpPr>
+          <p:nvPr>
+            <p:ph type="body" idx="1"/>
+          </p:nvPr>
+        </p:nvSpPr>
+        <p:spPr/>
+        <p:txBody>
+          <a:bodyPr>
+            <a:normAutofit/>
+          </a:bodyPr>
+          <a:lstStyle/>
+          <a:p>
+            <a:r>
+              <a:rPr lang="fr-FR" dirty="0" smtClean="0"/>
+              <a:t>MR</a:t>
+            </a:r>
+            <a:endParaRPr lang="fr-FR" dirty="0"/>
+          </a:p>
+        </p:txBody>
+      </p:sp>
+      <p:sp>
+        <p:nvSpPr>
+          <p:cNvPr id="4" name="Slide Number Placeholder 3"/>
+          <p:cNvSpPr>
+            <a:spLocks noGrp="1"/>
+          </p:cNvSpPr>
+          <p:nvPr>
+            <p:ph type="sldNum" sz="quarter" idx="10"/>
+          </p:nvPr>
+        </p:nvSpPr>
+        <p:spPr/>
+        <p:txBody>
+          <a:bodyPr/>
+          <a:lstStyle/>
+          <a:p>
+            <a:fld id="{7EDF6394-A603-432F-BA01-014ADB97624B}" type="slidenum">
+              <a:rPr lang="fr-FR" smtClean="0"/>
+              <a:pPr/>
+              <a:t>10</a:t>
+            </a:fld>
+            <a:endParaRPr lang="fr-FR" dirty="0"/>
+          </a:p>
+        </p:txBody>
+      </p:sp>
+    </p:spTree>
+  </p:cSld>
+  <p:clrMapOvr>
+    <a:masterClrMapping/>
+  </p:clrMapOvr>
+</p:notes>
+</file>
+
+<file path=ppt/notesSlides/notesSlide11.xml><?xml version="1.0" encoding="utf-8"?>
+<p:notes xmlns:a="http://schemas.openxmlformats.org/drawingml/2006/main" xmlns:r="http://schemas.openxmlformats.org/officeDocument/2006/relationships" xmlns:p="http://schemas.openxmlformats.org/presentationml/2006/main">
+  <p:cSld>
+    <p:spTree>
+      <p:nvGrpSpPr>
+        <p:cNvPr id="1" name=""/>
+        <p:cNvGrpSpPr/>
+        <p:nvPr/>
+      </p:nvGrpSpPr>
+      <p:grpSpPr>
+        <a:xfrm>
+          <a:off x="0" y="0"/>
+          <a:ext cx="0" cy="0"/>
+          <a:chOff x="0" y="0"/>
+          <a:chExt cx="0" cy="0"/>
+        </a:xfrm>
+      </p:grpSpPr>
+      <p:sp>
+        <p:nvSpPr>
+          <p:cNvPr id="2" name="Slide Image Placeholder 1"/>
+          <p:cNvSpPr>
+            <a:spLocks noGrp="1" noRot="1" noChangeAspect="1"/>
+          </p:cNvSpPr>
+          <p:nvPr>
+            <p:ph type="sldImg"/>
+          </p:nvPr>
+        </p:nvSpPr>
+        <p:spPr/>
+      </p:sp>
+      <p:sp>
+        <p:nvSpPr>
+          <p:cNvPr id="3" name="Notes Placeholder 2"/>
+          <p:cNvSpPr>
+            <a:spLocks noGrp="1"/>
+          </p:cNvSpPr>
+          <p:nvPr>
+            <p:ph type="body" idx="1"/>
+          </p:nvPr>
+        </p:nvSpPr>
+        <p:spPr/>
+        <p:txBody>
+          <a:bodyPr>
+            <a:normAutofit/>
+          </a:bodyPr>
+          <a:lstStyle/>
+          <a:p>
+            <a:r>
+              <a:rPr lang="fr-FR" dirty="0" smtClean="0"/>
+              <a:t>MR</a:t>
+            </a:r>
+            <a:endParaRPr lang="fr-FR" dirty="0"/>
+          </a:p>
+        </p:txBody>
+      </p:sp>
+      <p:sp>
+        <p:nvSpPr>
+          <p:cNvPr id="4" name="Slide Number Placeholder 3"/>
+          <p:cNvSpPr>
+            <a:spLocks noGrp="1"/>
+          </p:cNvSpPr>
+          <p:nvPr>
+            <p:ph type="sldNum" sz="quarter" idx="10"/>
+          </p:nvPr>
+        </p:nvSpPr>
+        <p:spPr/>
+        <p:txBody>
+          <a:bodyPr/>
+          <a:lstStyle/>
+          <a:p>
+            <a:fld id="{7EDF6394-A603-432F-BA01-014ADB97624B}" type="slidenum">
+              <a:rPr lang="fr-FR" smtClean="0"/>
+              <a:pPr/>
+              <a:t>11</a:t>
+            </a:fld>
+            <a:endParaRPr lang="fr-FR" dirty="0"/>
+          </a:p>
+        </p:txBody>
+      </p:sp>
+    </p:spTree>
+  </p:cSld>
+  <p:clrMapOvr>
+    <a:masterClrMapping/>
+  </p:clrMapOvr>
+</p:notes>
+</file>
+
+<file path=ppt/notesSlides/notesSlide12.xml><?xml version="1.0" encoding="utf-8"?>
+<p:notes xmlns:a="http://schemas.openxmlformats.org/drawingml/2006/main" xmlns:r="http://schemas.openxmlformats.org/officeDocument/2006/relationships" xmlns:p="http://schemas.openxmlformats.org/presentationml/2006/main">
+  <p:cSld>
+    <p:spTree>
+      <p:nvGrpSpPr>
+        <p:cNvPr id="1" name=""/>
+        <p:cNvGrpSpPr/>
+        <p:nvPr/>
+      </p:nvGrpSpPr>
+      <p:grpSpPr>
+        <a:xfrm>
+          <a:off x="0" y="0"/>
+          <a:ext cx="0" cy="0"/>
+          <a:chOff x="0" y="0"/>
+          <a:chExt cx="0" cy="0"/>
+        </a:xfrm>
+      </p:grpSpPr>
+      <p:sp>
+        <p:nvSpPr>
+          <p:cNvPr id="2" name="Slide Image Placeholder 1"/>
+          <p:cNvSpPr>
+            <a:spLocks noGrp="1" noRot="1" noChangeAspect="1"/>
+          </p:cNvSpPr>
+          <p:nvPr>
+            <p:ph type="sldImg"/>
+          </p:nvPr>
+        </p:nvSpPr>
+        <p:spPr/>
+      </p:sp>
+      <p:sp>
+        <p:nvSpPr>
+          <p:cNvPr id="3" name="Notes Placeholder 2"/>
+          <p:cNvSpPr>
+            <a:spLocks noGrp="1"/>
+          </p:cNvSpPr>
+          <p:nvPr>
+            <p:ph type="body" idx="1"/>
+          </p:nvPr>
+        </p:nvSpPr>
+        <p:spPr/>
+        <p:txBody>
+          <a:bodyPr>
+            <a:normAutofit/>
+          </a:bodyPr>
+          <a:lstStyle/>
+          <a:p>
+            <a:r>
+              <a:rPr lang="fr-FR" dirty="0" smtClean="0"/>
+              <a:t>RA</a:t>
+            </a:r>
+            <a:endParaRPr lang="fr-FR" dirty="0"/>
+          </a:p>
+        </p:txBody>
+      </p:sp>
+      <p:sp>
+        <p:nvSpPr>
+          <p:cNvPr id="4" name="Slide Number Placeholder 3"/>
+          <p:cNvSpPr>
+            <a:spLocks noGrp="1"/>
+          </p:cNvSpPr>
+          <p:nvPr>
+            <p:ph type="sldNum" sz="quarter" idx="10"/>
+          </p:nvPr>
+        </p:nvSpPr>
+        <p:spPr/>
+        <p:txBody>
+          <a:bodyPr/>
+          <a:lstStyle/>
+          <a:p>
+            <a:fld id="{7EDF6394-A603-432F-BA01-014ADB97624B}" type="slidenum">
+              <a:rPr lang="fr-FR" smtClean="0"/>
+              <a:pPr/>
+              <a:t>12</a:t>
+            </a:fld>
+            <a:endParaRPr lang="fr-FR" dirty="0"/>
+          </a:p>
+        </p:txBody>
+      </p:sp>
+    </p:spTree>
+  </p:cSld>
+  <p:clrMapOvr>
+    <a:masterClrMapping/>
+  </p:clrMapOvr>
+</p:notes>
+</file>
+
+<file path=ppt/notesSlides/notesSlide13.xml><?xml version="1.0" encoding="utf-8"?>
+<p:notes xmlns:a="http://schemas.openxmlformats.org/drawingml/2006/main" xmlns:r="http://schemas.openxmlformats.org/officeDocument/2006/relationships" xmlns:p="http://schemas.openxmlformats.org/presentationml/2006/main">
+  <p:cSld>
+    <p:spTree>
+      <p:nvGrpSpPr>
+        <p:cNvPr id="1" name=""/>
+        <p:cNvGrpSpPr/>
+        <p:nvPr/>
+      </p:nvGrpSpPr>
+      <p:grpSpPr>
+        <a:xfrm>
+          <a:off x="0" y="0"/>
+          <a:ext cx="0" cy="0"/>
+          <a:chOff x="0" y="0"/>
+          <a:chExt cx="0" cy="0"/>
+        </a:xfrm>
+      </p:grpSpPr>
+      <p:sp>
+        <p:nvSpPr>
+          <p:cNvPr id="2" name="Slide Image Placeholder 1"/>
+          <p:cNvSpPr>
+            <a:spLocks noGrp="1" noRot="1" noChangeAspect="1"/>
+          </p:cNvSpPr>
+          <p:nvPr>
+            <p:ph type="sldImg"/>
+          </p:nvPr>
+        </p:nvSpPr>
+        <p:spPr/>
+      </p:sp>
+      <p:sp>
+        <p:nvSpPr>
+          <p:cNvPr id="3" name="Notes Placeholder 2"/>
+          <p:cNvSpPr>
+            <a:spLocks noGrp="1"/>
+          </p:cNvSpPr>
+          <p:nvPr>
+            <p:ph type="body" idx="1"/>
+          </p:nvPr>
+        </p:nvSpPr>
+        <p:spPr/>
+        <p:txBody>
+          <a:bodyPr>
+            <a:normAutofit/>
+          </a:bodyPr>
+          <a:lstStyle/>
+          <a:p>
+            <a:r>
+              <a:rPr lang="fr-FR" dirty="0" smtClean="0"/>
+              <a:t>RA</a:t>
+            </a:r>
+            <a:endParaRPr lang="fr-FR" dirty="0"/>
+          </a:p>
+        </p:txBody>
+      </p:sp>
+      <p:sp>
+        <p:nvSpPr>
+          <p:cNvPr id="4" name="Slide Number Placeholder 3"/>
+          <p:cNvSpPr>
+            <a:spLocks noGrp="1"/>
+          </p:cNvSpPr>
+          <p:nvPr>
+            <p:ph type="sldNum" sz="quarter" idx="10"/>
+          </p:nvPr>
+        </p:nvSpPr>
+        <p:spPr/>
+        <p:txBody>
+          <a:bodyPr/>
+          <a:lstStyle/>
+          <a:p>
+            <a:fld id="{7EDF6394-A603-432F-BA01-014ADB97624B}" type="slidenum">
+              <a:rPr lang="fr-FR" smtClean="0"/>
+              <a:pPr/>
+              <a:t>13</a:t>
+            </a:fld>
+            <a:endParaRPr lang="fr-FR" dirty="0"/>
+          </a:p>
+        </p:txBody>
+      </p:sp>
+    </p:spTree>
+  </p:cSld>
+  <p:clrMapOvr>
+    <a:masterClrMapping/>
+  </p:clrMapOvr>
+</p:notes>
+</file>
+
+<file path=ppt/notesSlides/notesSlide14.xml><?xml version="1.0" encoding="utf-8"?>
+<p:notes xmlns:a="http://schemas.openxmlformats.org/drawingml/2006/main" xmlns:r="http://schemas.openxmlformats.org/officeDocument/2006/relationships" xmlns:p="http://schemas.openxmlformats.org/presentationml/2006/main">
+  <p:cSld>
+    <p:spTree>
+      <p:nvGrpSpPr>
+        <p:cNvPr id="1" name=""/>
+        <p:cNvGrpSpPr/>
+        <p:nvPr/>
+      </p:nvGrpSpPr>
+      <p:grpSpPr>
+        <a:xfrm>
+          <a:off x="0" y="0"/>
+          <a:ext cx="0" cy="0"/>
+          <a:chOff x="0" y="0"/>
+          <a:chExt cx="0" cy="0"/>
+        </a:xfrm>
+      </p:grpSpPr>
+      <p:sp>
+        <p:nvSpPr>
+          <p:cNvPr id="2" name="Slide Image Placeholder 1"/>
+          <p:cNvSpPr>
+            <a:spLocks noGrp="1" noRot="1" noChangeAspect="1"/>
+          </p:cNvSpPr>
+          <p:nvPr>
+            <p:ph type="sldImg"/>
+          </p:nvPr>
+        </p:nvSpPr>
+        <p:spPr/>
+      </p:sp>
+      <p:sp>
+        <p:nvSpPr>
+          <p:cNvPr id="3" name="Notes Placeholder 2"/>
+          <p:cNvSpPr>
+            <a:spLocks noGrp="1"/>
+          </p:cNvSpPr>
+          <p:nvPr>
+            <p:ph type="body" idx="1"/>
+          </p:nvPr>
+        </p:nvSpPr>
+        <p:spPr/>
+        <p:txBody>
+          <a:bodyPr>
+            <a:normAutofit/>
+          </a:bodyPr>
+          <a:lstStyle/>
+          <a:p>
+            <a:r>
+              <a:rPr lang="fr-FR" dirty="0" smtClean="0"/>
+              <a:t>EH</a:t>
+            </a:r>
+            <a:endParaRPr lang="fr-FR" dirty="0"/>
+          </a:p>
+        </p:txBody>
+      </p:sp>
+      <p:sp>
+        <p:nvSpPr>
+          <p:cNvPr id="4" name="Slide Number Placeholder 3"/>
+          <p:cNvSpPr>
+            <a:spLocks noGrp="1"/>
+          </p:cNvSpPr>
+          <p:nvPr>
+            <p:ph type="sldNum" sz="quarter" idx="10"/>
+          </p:nvPr>
+        </p:nvSpPr>
+        <p:spPr/>
+        <p:txBody>
+          <a:bodyPr/>
+          <a:lstStyle/>
+          <a:p>
+            <a:fld id="{7EDF6394-A603-432F-BA01-014ADB97624B}" type="slidenum">
+              <a:rPr lang="fr-FR" smtClean="0"/>
+              <a:pPr/>
+              <a:t>14</a:t>
+            </a:fld>
+            <a:endParaRPr lang="fr-FR" dirty="0"/>
+          </a:p>
+        </p:txBody>
+      </p:sp>
+    </p:spTree>
+  </p:cSld>
+  <p:clrMapOvr>
+    <a:masterClrMapping/>
+  </p:clrMapOvr>
+</p:notes>
+</file>
+
+<file path=ppt/notesSlides/notesSlide15.xml><?xml version="1.0" encoding="utf-8"?>
+<p:notes xmlns:a="http://schemas.openxmlformats.org/drawingml/2006/main" xmlns:r="http://schemas.openxmlformats.org/officeDocument/2006/relationships" xmlns:p="http://schemas.openxmlformats.org/presentationml/2006/main">
+  <p:cSld>
+    <p:spTree>
+      <p:nvGrpSpPr>
+        <p:cNvPr id="1" name=""/>
+        <p:cNvGrpSpPr/>
+        <p:nvPr/>
+      </p:nvGrpSpPr>
+      <p:grpSpPr>
+        <a:xfrm>
+          <a:off x="0" y="0"/>
+          <a:ext cx="0" cy="0"/>
+          <a:chOff x="0" y="0"/>
+          <a:chExt cx="0" cy="0"/>
+        </a:xfrm>
+      </p:grpSpPr>
+      <p:sp>
+        <p:nvSpPr>
+          <p:cNvPr id="2" name="Slide Image Placeholder 1"/>
+          <p:cNvSpPr>
+            <a:spLocks noGrp="1" noRot="1" noChangeAspect="1"/>
+          </p:cNvSpPr>
+          <p:nvPr>
+            <p:ph type="sldImg"/>
+          </p:nvPr>
+        </p:nvSpPr>
+        <p:spPr/>
+      </p:sp>
+      <p:sp>
+        <p:nvSpPr>
+          <p:cNvPr id="3" name="Notes Placeholder 2"/>
+          <p:cNvSpPr>
+            <a:spLocks noGrp="1"/>
+          </p:cNvSpPr>
+          <p:nvPr>
+            <p:ph type="body" idx="1"/>
+          </p:nvPr>
+        </p:nvSpPr>
+        <p:spPr/>
+        <p:txBody>
+          <a:bodyPr>
+            <a:normAutofit/>
+          </a:bodyPr>
+          <a:lstStyle/>
+          <a:p>
+            <a:r>
+              <a:rPr lang="fr-FR" dirty="0" smtClean="0"/>
+              <a:t>EH</a:t>
+            </a:r>
+            <a:endParaRPr lang="fr-FR" dirty="0"/>
+          </a:p>
+        </p:txBody>
+      </p:sp>
+      <p:sp>
+        <p:nvSpPr>
+          <p:cNvPr id="4" name="Slide Number Placeholder 3"/>
+          <p:cNvSpPr>
+            <a:spLocks noGrp="1"/>
+          </p:cNvSpPr>
+          <p:nvPr>
+            <p:ph type="sldNum" sz="quarter" idx="10"/>
+          </p:nvPr>
+        </p:nvSpPr>
+        <p:spPr/>
+        <p:txBody>
+          <a:bodyPr/>
+          <a:lstStyle/>
+          <a:p>
+            <a:fld id="{7EDF6394-A603-432F-BA01-014ADB97624B}" type="slidenum">
+              <a:rPr lang="fr-FR" smtClean="0"/>
+              <a:pPr/>
+              <a:t>15</a:t>
+            </a:fld>
+            <a:endParaRPr lang="fr-FR" dirty="0"/>
+          </a:p>
+        </p:txBody>
+      </p:sp>
+    </p:spTree>
+  </p:cSld>
+  <p:clrMapOvr>
+    <a:masterClrMapping/>
+  </p:clrMapOvr>
+</p:notes>
+</file>
+
+<file path=ppt/notesSlides/notesSlide16.xml><?xml version="1.0" encoding="utf-8"?>
+<p:notes xmlns:a="http://schemas.openxmlformats.org/drawingml/2006/main" xmlns:r="http://schemas.openxmlformats.org/officeDocument/2006/relationships" xmlns:p="http://schemas.openxmlformats.org/presentationml/2006/main">
+  <p:cSld>
+    <p:spTree>
+      <p:nvGrpSpPr>
+        <p:cNvPr id="1" name=""/>
+        <p:cNvGrpSpPr/>
+        <p:nvPr/>
+      </p:nvGrpSpPr>
+      <p:grpSpPr>
+        <a:xfrm>
+          <a:off x="0" y="0"/>
+          <a:ext cx="0" cy="0"/>
+          <a:chOff x="0" y="0"/>
+          <a:chExt cx="0" cy="0"/>
+        </a:xfrm>
+      </p:grpSpPr>
+      <p:sp>
+        <p:nvSpPr>
+          <p:cNvPr id="2" name="Slide Image Placeholder 1"/>
+          <p:cNvSpPr>
+            <a:spLocks noGrp="1" noRot="1" noChangeAspect="1"/>
+          </p:cNvSpPr>
+          <p:nvPr>
+            <p:ph type="sldImg"/>
+          </p:nvPr>
+        </p:nvSpPr>
+        <p:spPr/>
+      </p:sp>
+      <p:sp>
+        <p:nvSpPr>
+          <p:cNvPr id="3" name="Notes Placeholder 2"/>
+          <p:cNvSpPr>
+            <a:spLocks noGrp="1"/>
+          </p:cNvSpPr>
+          <p:nvPr>
+            <p:ph type="body" idx="1"/>
+          </p:nvPr>
+        </p:nvSpPr>
+        <p:spPr/>
+        <p:txBody>
+          <a:bodyPr>
+            <a:normAutofit/>
+          </a:bodyPr>
+          <a:lstStyle/>
+          <a:p>
+            <a:r>
+              <a:rPr lang="fr-FR" dirty="0" smtClean="0"/>
+              <a:t>BG</a:t>
+            </a:r>
+            <a:endParaRPr lang="fr-FR" dirty="0"/>
+          </a:p>
+        </p:txBody>
+      </p:sp>
+      <p:sp>
+        <p:nvSpPr>
+          <p:cNvPr id="4" name="Slide Number Placeholder 3"/>
+          <p:cNvSpPr>
+            <a:spLocks noGrp="1"/>
+          </p:cNvSpPr>
+          <p:nvPr>
+            <p:ph type="sldNum" sz="quarter" idx="10"/>
+          </p:nvPr>
+        </p:nvSpPr>
+        <p:spPr/>
+        <p:txBody>
+          <a:bodyPr/>
+          <a:lstStyle/>
+          <a:p>
+            <a:fld id="{7EDF6394-A603-432F-BA01-014ADB97624B}" type="slidenum">
+              <a:rPr lang="fr-FR" smtClean="0"/>
+              <a:pPr/>
+              <a:t>16</a:t>
             </a:fld>
             <a:endParaRPr lang="fr-FR" dirty="0"/>
           </a:p>
@@ -769,6 +1375,96 @@
           </a:bodyPr>
           <a:lstStyle/>
           <a:p>
+            <a:r>
+              <a:rPr lang="fr-FR" dirty="0" smtClean="0"/>
+              <a:t>EH</a:t>
+            </a:r>
+            <a:endParaRPr lang="fr-FR" dirty="0"/>
+          </a:p>
+        </p:txBody>
+      </p:sp>
+      <p:sp>
+        <p:nvSpPr>
+          <p:cNvPr id="4" name="Slide Number Placeholder 3"/>
+          <p:cNvSpPr>
+            <a:spLocks noGrp="1"/>
+          </p:cNvSpPr>
+          <p:nvPr>
+            <p:ph type="sldNum" sz="quarter" idx="10"/>
+          </p:nvPr>
+        </p:nvSpPr>
+        <p:spPr/>
+        <p:txBody>
+          <a:bodyPr/>
+          <a:lstStyle/>
+          <a:p>
+            <a:fld id="{7EDF6394-A603-432F-BA01-014ADB97624B}" type="slidenum">
+              <a:rPr lang="fr-FR" smtClean="0"/>
+              <a:pPr/>
+              <a:t>2</a:t>
+            </a:fld>
+            <a:endParaRPr lang="fr-FR" dirty="0"/>
+          </a:p>
+        </p:txBody>
+      </p:sp>
+    </p:spTree>
+  </p:cSld>
+  <p:clrMapOvr>
+    <a:masterClrMapping/>
+  </p:clrMapOvr>
+</p:notes>
+</file>
+
+<file path=ppt/notesSlides/notesSlide3.xml><?xml version="1.0" encoding="utf-8"?>
+<p:notes xmlns:a="http://schemas.openxmlformats.org/drawingml/2006/main" xmlns:r="http://schemas.openxmlformats.org/officeDocument/2006/relationships" xmlns:p="http://schemas.openxmlformats.org/presentationml/2006/main">
+  <p:cSld>
+    <p:spTree>
+      <p:nvGrpSpPr>
+        <p:cNvPr id="1" name=""/>
+        <p:cNvGrpSpPr/>
+        <p:nvPr/>
+      </p:nvGrpSpPr>
+      <p:grpSpPr>
+        <a:xfrm>
+          <a:off x="0" y="0"/>
+          <a:ext cx="0" cy="0"/>
+          <a:chOff x="0" y="0"/>
+          <a:chExt cx="0" cy="0"/>
+        </a:xfrm>
+      </p:grpSpPr>
+      <p:sp>
+        <p:nvSpPr>
+          <p:cNvPr id="2" name="Slide Image Placeholder 1"/>
+          <p:cNvSpPr>
+            <a:spLocks noGrp="1" noRot="1" noChangeAspect="1"/>
+          </p:cNvSpPr>
+          <p:nvPr>
+            <p:ph type="sldImg"/>
+          </p:nvPr>
+        </p:nvSpPr>
+        <p:spPr/>
+      </p:sp>
+      <p:sp>
+        <p:nvSpPr>
+          <p:cNvPr id="3" name="Notes Placeholder 2"/>
+          <p:cNvSpPr>
+            <a:spLocks noGrp="1"/>
+          </p:cNvSpPr>
+          <p:nvPr>
+            <p:ph type="body" idx="1"/>
+          </p:nvPr>
+        </p:nvSpPr>
+        <p:spPr/>
+        <p:txBody>
+          <a:bodyPr>
+            <a:normAutofit/>
+          </a:bodyPr>
+          <a:lstStyle/>
+          <a:p>
+            <a:r>
+              <a:rPr lang="fr-FR" dirty="0" smtClean="0"/>
+              <a:t>BG</a:t>
+            </a:r>
             <a:endParaRPr lang="fr-FR" dirty="0"/>
           </a:p>
         </p:txBody>
@@ -792,6 +1488,522 @@
               <a:rPr lang="fr-FR" smtClean="0"/>
               <a:pPr/>
               <a:t>3</a:t>
+            </a:fld>
+            <a:endParaRPr lang="fr-FR" dirty="0"/>
+          </a:p>
+        </p:txBody>
+      </p:sp>
+    </p:spTree>
+  </p:cSld>
+  <p:clrMapOvr>
+    <a:masterClrMapping/>
+  </p:clrMapOvr>
+</p:notes>
+</file>
+
+<file path=ppt/notesSlides/notesSlide4.xml><?xml version="1.0" encoding="utf-8"?>
+<p:notes xmlns:a="http://schemas.openxmlformats.org/drawingml/2006/main" xmlns:r="http://schemas.openxmlformats.org/officeDocument/2006/relationships" xmlns:p="http://schemas.openxmlformats.org/presentationml/2006/main">
+  <p:cSld>
+    <p:spTree>
+      <p:nvGrpSpPr>
+        <p:cNvPr id="1" name=""/>
+        <p:cNvGrpSpPr/>
+        <p:nvPr/>
+      </p:nvGrpSpPr>
+      <p:grpSpPr>
+        <a:xfrm>
+          <a:off x="0" y="0"/>
+          <a:ext cx="0" cy="0"/>
+          <a:chOff x="0" y="0"/>
+          <a:chExt cx="0" cy="0"/>
+        </a:xfrm>
+      </p:grpSpPr>
+      <p:sp>
+        <p:nvSpPr>
+          <p:cNvPr id="2" name="Slide Image Placeholder 1"/>
+          <p:cNvSpPr>
+            <a:spLocks noGrp="1" noRot="1" noChangeAspect="1"/>
+          </p:cNvSpPr>
+          <p:nvPr>
+            <p:ph type="sldImg"/>
+          </p:nvPr>
+        </p:nvSpPr>
+        <p:spPr/>
+      </p:sp>
+      <p:sp>
+        <p:nvSpPr>
+          <p:cNvPr id="3" name="Notes Placeholder 2"/>
+          <p:cNvSpPr>
+            <a:spLocks noGrp="1"/>
+          </p:cNvSpPr>
+          <p:nvPr>
+            <p:ph type="body" idx="1"/>
+          </p:nvPr>
+        </p:nvSpPr>
+        <p:spPr/>
+        <p:txBody>
+          <a:bodyPr>
+            <a:normAutofit/>
+          </a:bodyPr>
+          <a:lstStyle/>
+          <a:p>
+            <a:r>
+              <a:rPr lang="fr-FR" dirty="0" smtClean="0"/>
+              <a:t>BG</a:t>
+            </a:r>
+            <a:endParaRPr lang="fr-FR" dirty="0"/>
+          </a:p>
+        </p:txBody>
+      </p:sp>
+      <p:sp>
+        <p:nvSpPr>
+          <p:cNvPr id="4" name="Slide Number Placeholder 3"/>
+          <p:cNvSpPr>
+            <a:spLocks noGrp="1"/>
+          </p:cNvSpPr>
+          <p:nvPr>
+            <p:ph type="sldNum" sz="quarter" idx="10"/>
+          </p:nvPr>
+        </p:nvSpPr>
+        <p:spPr/>
+        <p:txBody>
+          <a:bodyPr/>
+          <a:lstStyle/>
+          <a:p>
+            <a:fld id="{7EDF6394-A603-432F-BA01-014ADB97624B}" type="slidenum">
+              <a:rPr lang="fr-FR" smtClean="0"/>
+              <a:pPr/>
+              <a:t>4</a:t>
+            </a:fld>
+            <a:endParaRPr lang="fr-FR" dirty="0"/>
+          </a:p>
+        </p:txBody>
+      </p:sp>
+    </p:spTree>
+  </p:cSld>
+  <p:clrMapOvr>
+    <a:masterClrMapping/>
+  </p:clrMapOvr>
+</p:notes>
+</file>
+
+<file path=ppt/notesSlides/notesSlide5.xml><?xml version="1.0" encoding="utf-8"?>
+<p:notes xmlns:a="http://schemas.openxmlformats.org/drawingml/2006/main" xmlns:r="http://schemas.openxmlformats.org/officeDocument/2006/relationships" xmlns:p="http://schemas.openxmlformats.org/presentationml/2006/main">
+  <p:cSld>
+    <p:spTree>
+      <p:nvGrpSpPr>
+        <p:cNvPr id="1" name=""/>
+        <p:cNvGrpSpPr/>
+        <p:nvPr/>
+      </p:nvGrpSpPr>
+      <p:grpSpPr>
+        <a:xfrm>
+          <a:off x="0" y="0"/>
+          <a:ext cx="0" cy="0"/>
+          <a:chOff x="0" y="0"/>
+          <a:chExt cx="0" cy="0"/>
+        </a:xfrm>
+      </p:grpSpPr>
+      <p:sp>
+        <p:nvSpPr>
+          <p:cNvPr id="2" name="Slide Image Placeholder 1"/>
+          <p:cNvSpPr>
+            <a:spLocks noGrp="1" noRot="1" noChangeAspect="1"/>
+          </p:cNvSpPr>
+          <p:nvPr>
+            <p:ph type="sldImg"/>
+          </p:nvPr>
+        </p:nvSpPr>
+        <p:spPr/>
+      </p:sp>
+      <p:sp>
+        <p:nvSpPr>
+          <p:cNvPr id="3" name="Notes Placeholder 2"/>
+          <p:cNvSpPr>
+            <a:spLocks noGrp="1"/>
+          </p:cNvSpPr>
+          <p:nvPr>
+            <p:ph type="body" idx="1"/>
+          </p:nvPr>
+        </p:nvSpPr>
+        <p:spPr/>
+        <p:txBody>
+          <a:bodyPr>
+            <a:normAutofit/>
+          </a:bodyPr>
+          <a:lstStyle/>
+          <a:p>
+            <a:r>
+              <a:rPr lang="fr-FR" dirty="0" smtClean="0"/>
+              <a:t>AG</a:t>
+            </a:r>
+            <a:endParaRPr lang="fr-FR" dirty="0"/>
+          </a:p>
+        </p:txBody>
+      </p:sp>
+      <p:sp>
+        <p:nvSpPr>
+          <p:cNvPr id="4" name="Slide Number Placeholder 3"/>
+          <p:cNvSpPr>
+            <a:spLocks noGrp="1"/>
+          </p:cNvSpPr>
+          <p:nvPr>
+            <p:ph type="sldNum" sz="quarter" idx="10"/>
+          </p:nvPr>
+        </p:nvSpPr>
+        <p:spPr/>
+        <p:txBody>
+          <a:bodyPr/>
+          <a:lstStyle/>
+          <a:p>
+            <a:fld id="{7EDF6394-A603-432F-BA01-014ADB97624B}" type="slidenum">
+              <a:rPr lang="fr-FR" smtClean="0"/>
+              <a:pPr/>
+              <a:t>5</a:t>
+            </a:fld>
+            <a:endParaRPr lang="fr-FR" dirty="0"/>
+          </a:p>
+        </p:txBody>
+      </p:sp>
+    </p:spTree>
+  </p:cSld>
+  <p:clrMapOvr>
+    <a:masterClrMapping/>
+  </p:clrMapOvr>
+</p:notes>
+</file>
+
+<file path=ppt/notesSlides/notesSlide6.xml><?xml version="1.0" encoding="utf-8"?>
+<p:notes xmlns:a="http://schemas.openxmlformats.org/drawingml/2006/main" xmlns:r="http://schemas.openxmlformats.org/officeDocument/2006/relationships" xmlns:p="http://schemas.openxmlformats.org/presentationml/2006/main">
+  <p:cSld>
+    <p:spTree>
+      <p:nvGrpSpPr>
+        <p:cNvPr id="1" name=""/>
+        <p:cNvGrpSpPr/>
+        <p:nvPr/>
+      </p:nvGrpSpPr>
+      <p:grpSpPr>
+        <a:xfrm>
+          <a:off x="0" y="0"/>
+          <a:ext cx="0" cy="0"/>
+          <a:chOff x="0" y="0"/>
+          <a:chExt cx="0" cy="0"/>
+        </a:xfrm>
+      </p:grpSpPr>
+      <p:sp>
+        <p:nvSpPr>
+          <p:cNvPr id="2" name="Slide Image Placeholder 1"/>
+          <p:cNvSpPr>
+            <a:spLocks noGrp="1" noRot="1" noChangeAspect="1"/>
+          </p:cNvSpPr>
+          <p:nvPr>
+            <p:ph type="sldImg"/>
+          </p:nvPr>
+        </p:nvSpPr>
+        <p:spPr/>
+      </p:sp>
+      <p:sp>
+        <p:nvSpPr>
+          <p:cNvPr id="3" name="Notes Placeholder 2"/>
+          <p:cNvSpPr>
+            <a:spLocks noGrp="1"/>
+          </p:cNvSpPr>
+          <p:nvPr>
+            <p:ph type="body" idx="1"/>
+          </p:nvPr>
+        </p:nvSpPr>
+        <p:spPr/>
+        <p:txBody>
+          <a:bodyPr>
+            <a:normAutofit/>
+          </a:bodyPr>
+          <a:lstStyle/>
+          <a:p>
+            <a:r>
+              <a:rPr lang="fr-FR" dirty="0" smtClean="0"/>
+              <a:t>AG</a:t>
+            </a:r>
+            <a:endParaRPr lang="fr-FR" dirty="0"/>
+          </a:p>
+        </p:txBody>
+      </p:sp>
+      <p:sp>
+        <p:nvSpPr>
+          <p:cNvPr id="4" name="Slide Number Placeholder 3"/>
+          <p:cNvSpPr>
+            <a:spLocks noGrp="1"/>
+          </p:cNvSpPr>
+          <p:nvPr>
+            <p:ph type="sldNum" sz="quarter" idx="10"/>
+          </p:nvPr>
+        </p:nvSpPr>
+        <p:spPr/>
+        <p:txBody>
+          <a:bodyPr/>
+          <a:lstStyle/>
+          <a:p>
+            <a:fld id="{7EDF6394-A603-432F-BA01-014ADB97624B}" type="slidenum">
+              <a:rPr lang="fr-FR" smtClean="0"/>
+              <a:pPr/>
+              <a:t>6</a:t>
+            </a:fld>
+            <a:endParaRPr lang="fr-FR" dirty="0"/>
+          </a:p>
+        </p:txBody>
+      </p:sp>
+    </p:spTree>
+  </p:cSld>
+  <p:clrMapOvr>
+    <a:masterClrMapping/>
+  </p:clrMapOvr>
+</p:notes>
+</file>
+
+<file path=ppt/notesSlides/notesSlide7.xml><?xml version="1.0" encoding="utf-8"?>
+<p:notes xmlns:a="http://schemas.openxmlformats.org/drawingml/2006/main" xmlns:r="http://schemas.openxmlformats.org/officeDocument/2006/relationships" xmlns:p="http://schemas.openxmlformats.org/presentationml/2006/main">
+  <p:cSld>
+    <p:spTree>
+      <p:nvGrpSpPr>
+        <p:cNvPr id="1" name=""/>
+        <p:cNvGrpSpPr/>
+        <p:nvPr/>
+      </p:nvGrpSpPr>
+      <p:grpSpPr>
+        <a:xfrm>
+          <a:off x="0" y="0"/>
+          <a:ext cx="0" cy="0"/>
+          <a:chOff x="0" y="0"/>
+          <a:chExt cx="0" cy="0"/>
+        </a:xfrm>
+      </p:grpSpPr>
+      <p:sp>
+        <p:nvSpPr>
+          <p:cNvPr id="2" name="Slide Image Placeholder 1"/>
+          <p:cNvSpPr>
+            <a:spLocks noGrp="1" noRot="1" noChangeAspect="1"/>
+          </p:cNvSpPr>
+          <p:nvPr>
+            <p:ph type="sldImg"/>
+          </p:nvPr>
+        </p:nvSpPr>
+        <p:spPr/>
+      </p:sp>
+      <p:sp>
+        <p:nvSpPr>
+          <p:cNvPr id="3" name="Notes Placeholder 2"/>
+          <p:cNvSpPr>
+            <a:spLocks noGrp="1"/>
+          </p:cNvSpPr>
+          <p:nvPr>
+            <p:ph type="body" idx="1"/>
+          </p:nvPr>
+        </p:nvSpPr>
+        <p:spPr/>
+        <p:txBody>
+          <a:bodyPr>
+            <a:normAutofit/>
+          </a:bodyPr>
+          <a:lstStyle/>
+          <a:p>
+            <a:r>
+              <a:rPr lang="fr-FR" dirty="0" smtClean="0"/>
+              <a:t>EG</a:t>
+            </a:r>
+            <a:endParaRPr lang="fr-FR" dirty="0"/>
+          </a:p>
+        </p:txBody>
+      </p:sp>
+      <p:sp>
+        <p:nvSpPr>
+          <p:cNvPr id="4" name="Slide Number Placeholder 3"/>
+          <p:cNvSpPr>
+            <a:spLocks noGrp="1"/>
+          </p:cNvSpPr>
+          <p:nvPr>
+            <p:ph type="sldNum" sz="quarter" idx="10"/>
+          </p:nvPr>
+        </p:nvSpPr>
+        <p:spPr/>
+        <p:txBody>
+          <a:bodyPr/>
+          <a:lstStyle/>
+          <a:p>
+            <a:fld id="{7EDF6394-A603-432F-BA01-014ADB97624B}" type="slidenum">
+              <a:rPr lang="fr-FR" smtClean="0"/>
+              <a:pPr/>
+              <a:t>7</a:t>
+            </a:fld>
+            <a:endParaRPr lang="fr-FR" dirty="0"/>
+          </a:p>
+        </p:txBody>
+      </p:sp>
+    </p:spTree>
+  </p:cSld>
+  <p:clrMapOvr>
+    <a:masterClrMapping/>
+  </p:clrMapOvr>
+</p:notes>
+</file>
+
+<file path=ppt/notesSlides/notesSlide8.xml><?xml version="1.0" encoding="utf-8"?>
+<p:notes xmlns:a="http://schemas.openxmlformats.org/drawingml/2006/main" xmlns:r="http://schemas.openxmlformats.org/officeDocument/2006/relationships" xmlns:p="http://schemas.openxmlformats.org/presentationml/2006/main">
+  <p:cSld>
+    <p:spTree>
+      <p:nvGrpSpPr>
+        <p:cNvPr id="1" name=""/>
+        <p:cNvGrpSpPr/>
+        <p:nvPr/>
+      </p:nvGrpSpPr>
+      <p:grpSpPr>
+        <a:xfrm>
+          <a:off x="0" y="0"/>
+          <a:ext cx="0" cy="0"/>
+          <a:chOff x="0" y="0"/>
+          <a:chExt cx="0" cy="0"/>
+        </a:xfrm>
+      </p:grpSpPr>
+      <p:sp>
+        <p:nvSpPr>
+          <p:cNvPr id="2" name="Slide Image Placeholder 1"/>
+          <p:cNvSpPr>
+            <a:spLocks noGrp="1" noRot="1" noChangeAspect="1"/>
+          </p:cNvSpPr>
+          <p:nvPr>
+            <p:ph type="sldImg"/>
+          </p:nvPr>
+        </p:nvSpPr>
+        <p:spPr/>
+      </p:sp>
+      <p:sp>
+        <p:nvSpPr>
+          <p:cNvPr id="3" name="Notes Placeholder 2"/>
+          <p:cNvSpPr>
+            <a:spLocks noGrp="1"/>
+          </p:cNvSpPr>
+          <p:nvPr>
+            <p:ph type="body" idx="1"/>
+          </p:nvPr>
+        </p:nvSpPr>
+        <p:spPr/>
+        <p:txBody>
+          <a:bodyPr>
+            <a:normAutofit/>
+          </a:bodyPr>
+          <a:lstStyle/>
+          <a:p>
+            <a:r>
+              <a:rPr lang="fr-FR" dirty="0" smtClean="0"/>
+              <a:t>EG</a:t>
+            </a:r>
+            <a:endParaRPr lang="fr-FR" dirty="0"/>
+          </a:p>
+        </p:txBody>
+      </p:sp>
+      <p:sp>
+        <p:nvSpPr>
+          <p:cNvPr id="4" name="Slide Number Placeholder 3"/>
+          <p:cNvSpPr>
+            <a:spLocks noGrp="1"/>
+          </p:cNvSpPr>
+          <p:nvPr>
+            <p:ph type="sldNum" sz="quarter" idx="10"/>
+          </p:nvPr>
+        </p:nvSpPr>
+        <p:spPr/>
+        <p:txBody>
+          <a:bodyPr/>
+          <a:lstStyle/>
+          <a:p>
+            <a:fld id="{7EDF6394-A603-432F-BA01-014ADB97624B}" type="slidenum">
+              <a:rPr lang="fr-FR" smtClean="0"/>
+              <a:pPr/>
+              <a:t>8</a:t>
+            </a:fld>
+            <a:endParaRPr lang="fr-FR" dirty="0"/>
+          </a:p>
+        </p:txBody>
+      </p:sp>
+    </p:spTree>
+  </p:cSld>
+  <p:clrMapOvr>
+    <a:masterClrMapping/>
+  </p:clrMapOvr>
+</p:notes>
+</file>
+
+<file path=ppt/notesSlides/notesSlide9.xml><?xml version="1.0" encoding="utf-8"?>
+<p:notes xmlns:a="http://schemas.openxmlformats.org/drawingml/2006/main" xmlns:r="http://schemas.openxmlformats.org/officeDocument/2006/relationships" xmlns:p="http://schemas.openxmlformats.org/presentationml/2006/main">
+  <p:cSld>
+    <p:spTree>
+      <p:nvGrpSpPr>
+        <p:cNvPr id="1" name=""/>
+        <p:cNvGrpSpPr/>
+        <p:nvPr/>
+      </p:nvGrpSpPr>
+      <p:grpSpPr>
+        <a:xfrm>
+          <a:off x="0" y="0"/>
+          <a:ext cx="0" cy="0"/>
+          <a:chOff x="0" y="0"/>
+          <a:chExt cx="0" cy="0"/>
+        </a:xfrm>
+      </p:grpSpPr>
+      <p:sp>
+        <p:nvSpPr>
+          <p:cNvPr id="2" name="Slide Image Placeholder 1"/>
+          <p:cNvSpPr>
+            <a:spLocks noGrp="1" noRot="1" noChangeAspect="1"/>
+          </p:cNvSpPr>
+          <p:nvPr>
+            <p:ph type="sldImg"/>
+          </p:nvPr>
+        </p:nvSpPr>
+        <p:spPr/>
+      </p:sp>
+      <p:sp>
+        <p:nvSpPr>
+          <p:cNvPr id="3" name="Notes Placeholder 2"/>
+          <p:cNvSpPr>
+            <a:spLocks noGrp="1"/>
+          </p:cNvSpPr>
+          <p:nvPr>
+            <p:ph type="body" idx="1"/>
+          </p:nvPr>
+        </p:nvSpPr>
+        <p:spPr/>
+        <p:txBody>
+          <a:bodyPr>
+            <a:normAutofit/>
+          </a:bodyPr>
+          <a:lstStyle/>
+          <a:p>
+            <a:r>
+              <a:rPr lang="fr-FR" dirty="0" smtClean="0"/>
+              <a:t>MR</a:t>
+            </a:r>
+            <a:endParaRPr lang="fr-FR" dirty="0"/>
+          </a:p>
+        </p:txBody>
+      </p:sp>
+      <p:sp>
+        <p:nvSpPr>
+          <p:cNvPr id="4" name="Slide Number Placeholder 3"/>
+          <p:cNvSpPr>
+            <a:spLocks noGrp="1"/>
+          </p:cNvSpPr>
+          <p:nvPr>
+            <p:ph type="sldNum" sz="quarter" idx="10"/>
+          </p:nvPr>
+        </p:nvSpPr>
+        <p:spPr/>
+        <p:txBody>
+          <a:bodyPr/>
+          <a:lstStyle/>
+          <a:p>
+            <a:fld id="{7EDF6394-A603-432F-BA01-014ADB97624B}" type="slidenum">
+              <a:rPr lang="fr-FR" smtClean="0"/>
+              <a:pPr/>
+              <a:t>9</a:t>
             </a:fld>
             <a:endParaRPr lang="fr-FR" dirty="0"/>
           </a:p>
@@ -1005,7 +2217,7 @@
             <a:fld id="{2ACE6BAD-AAE8-4B0C-8461-DF193741C2AC}" type="slidenum">
               <a:rPr lang="fr-FR" smtClean="0"/>
               <a:pPr/>
-              <a:t>‹N°›</a:t>
+              <a:t>‹#›</a:t>
             </a:fld>
             <a:endParaRPr lang="fr-FR" dirty="0"/>
           </a:p>
@@ -1359,7 +2571,7 @@
             <a:fld id="{2ACE6BAD-AAE8-4B0C-8461-DF193741C2AC}" type="slidenum">
               <a:rPr lang="fr-FR" smtClean="0"/>
               <a:pPr/>
-              <a:t>‹N°›</a:t>
+              <a:t>‹#›</a:t>
             </a:fld>
             <a:endParaRPr lang="fr-FR" dirty="0"/>
           </a:p>
@@ -1539,7 +2751,7 @@
             <a:fld id="{2ACE6BAD-AAE8-4B0C-8461-DF193741C2AC}" type="slidenum">
               <a:rPr lang="fr-FR" smtClean="0"/>
               <a:pPr/>
-              <a:t>‹N°›</a:t>
+              <a:t>‹#›</a:t>
             </a:fld>
             <a:endParaRPr lang="fr-FR" dirty="0"/>
           </a:p>
@@ -1779,7 +2991,7 @@
             <a:fld id="{2ACE6BAD-AAE8-4B0C-8461-DF193741C2AC}" type="slidenum">
               <a:rPr lang="fr-FR" smtClean="0"/>
               <a:pPr/>
-              <a:t>‹N°›</a:t>
+              <a:t>‹#›</a:t>
             </a:fld>
             <a:endParaRPr lang="fr-FR" dirty="0"/>
           </a:p>
@@ -2063,7 +3275,7 @@
             <a:fld id="{2ACE6BAD-AAE8-4B0C-8461-DF193741C2AC}" type="slidenum">
               <a:rPr lang="fr-FR" smtClean="0"/>
               <a:pPr/>
-              <a:t>‹N°›</a:t>
+              <a:t>‹#›</a:t>
             </a:fld>
             <a:endParaRPr lang="fr-FR" dirty="0"/>
           </a:p>
@@ -2278,7 +3490,7 @@
             <a:fld id="{2ACE6BAD-AAE8-4B0C-8461-DF193741C2AC}" type="slidenum">
               <a:rPr lang="fr-FR" smtClean="0"/>
               <a:pPr/>
-              <a:t>‹N°›</a:t>
+              <a:t>‹#›</a:t>
             </a:fld>
             <a:endParaRPr lang="fr-FR" dirty="0"/>
           </a:p>
@@ -2635,7 +3847,7 @@
             <a:fld id="{2ACE6BAD-AAE8-4B0C-8461-DF193741C2AC}" type="slidenum">
               <a:rPr lang="fr-FR" smtClean="0"/>
               <a:pPr/>
-              <a:t>‹N°›</a:t>
+              <a:t>‹#›</a:t>
             </a:fld>
             <a:endParaRPr lang="fr-FR" dirty="0"/>
           </a:p>
@@ -2872,7 +4084,7 @@
             <a:fld id="{2ACE6BAD-AAE8-4B0C-8461-DF193741C2AC}" type="slidenum">
               <a:rPr lang="fr-FR" smtClean="0"/>
               <a:pPr/>
-              <a:t>‹N°›</a:t>
+              <a:t>‹#›</a:t>
             </a:fld>
             <a:endParaRPr lang="fr-FR" dirty="0"/>
           </a:p>
@@ -3017,7 +4229,7 @@
             <a:fld id="{2ACE6BAD-AAE8-4B0C-8461-DF193741C2AC}" type="slidenum">
               <a:rPr lang="fr-FR" smtClean="0"/>
               <a:pPr/>
-              <a:t>‹N°›</a:t>
+              <a:t>‹#›</a:t>
             </a:fld>
             <a:endParaRPr lang="fr-FR" dirty="0"/>
           </a:p>
@@ -3299,7 +4511,7 @@
             <a:fld id="{2ACE6BAD-AAE8-4B0C-8461-DF193741C2AC}" type="slidenum">
               <a:rPr lang="fr-FR" smtClean="0"/>
               <a:pPr/>
-              <a:t>‹N°›</a:t>
+              <a:t>‹#›</a:t>
             </a:fld>
             <a:endParaRPr lang="fr-FR" dirty="0"/>
           </a:p>
@@ -3711,7 +4923,7 @@
             <a:fld id="{2ACE6BAD-AAE8-4B0C-8461-DF193741C2AC}" type="slidenum">
               <a:rPr lang="fr-FR" smtClean="0"/>
               <a:pPr/>
-              <a:t>‹N°›</a:t>
+              <a:t>‹#›</a:t>
             </a:fld>
             <a:endParaRPr lang="fr-FR" dirty="0"/>
           </a:p>
@@ -4086,7 +5298,7 @@
             <a:fld id="{2ACE6BAD-AAE8-4B0C-8461-DF193741C2AC}" type="slidenum">
               <a:rPr lang="fr-FR" smtClean="0"/>
               <a:pPr/>
-              <a:t>‹N°›</a:t>
+              <a:t>‹#›</a:t>
             </a:fld>
             <a:endParaRPr lang="fr-FR" dirty="0"/>
           </a:p>
@@ -4999,7 +6211,7 @@
           <p:nvPr/>
         </p:nvPicPr>
         <p:blipFill>
-          <a:blip r:embed="rId2" cstate="print"/>
+          <a:blip r:embed="rId3" cstate="print"/>
           <a:srcRect/>
           <a:stretch>
             <a:fillRect/>
@@ -5210,21 +6422,7 @@
                 <a:latin typeface="Calibri" pitchFamily="34" charset="0"/>
                 <a:cs typeface="Calibri" pitchFamily="34" charset="0"/>
               </a:rPr>
-              <a:t>Permet </a:t>
-            </a:r>
-            <a:r>
-              <a:rPr lang="fr-FR" dirty="0" smtClean="0">
-                <a:latin typeface="Calibri" pitchFamily="34" charset="0"/>
-                <a:cs typeface="Calibri" pitchFamily="34" charset="0"/>
-              </a:rPr>
-              <a:t>d’obtenir </a:t>
-            </a:r>
-            <a:r>
-              <a:rPr lang="fr-FR" dirty="0" smtClean="0">
-                <a:latin typeface="Calibri" pitchFamily="34" charset="0"/>
-                <a:cs typeface="Calibri" pitchFamily="34" charset="0"/>
-              </a:rPr>
-              <a:t>une « </a:t>
+              <a:t>Permet d’obtenir une « </a:t>
             </a:r>
             <a:r>
               <a:rPr lang="fr-FR" i="1" dirty="0" smtClean="0">
@@ -5307,7 +6505,7 @@
           <p:nvPr/>
         </p:nvPicPr>
         <p:blipFill>
-          <a:blip r:embed="rId2" cstate="print"/>
+          <a:blip r:embed="rId3" cstate="print"/>
           <a:srcRect/>
           <a:stretch>
             <a:fillRect/>
@@ -5575,7 +6773,7 @@
           <p:nvPr/>
         </p:nvPicPr>
         <p:blipFill>
-          <a:blip r:embed="rId2" cstate="print"/>
+          <a:blip r:embed="rId3" cstate="print"/>
           <a:srcRect/>
           <a:stretch>
             <a:fillRect/>
@@ -5601,7 +6799,7 @@
           <p:nvPr/>
         </p:nvPicPr>
         <p:blipFill>
-          <a:blip r:embed="rId2" cstate="print"/>
+          <a:blip r:embed="rId3" cstate="print"/>
           <a:srcRect/>
           <a:stretch>
             <a:fillRect/>
@@ -5627,7 +6825,7 @@
           <p:nvPr/>
         </p:nvPicPr>
         <p:blipFill>
-          <a:blip r:embed="rId2" cstate="print"/>
+          <a:blip r:embed="rId3" cstate="print"/>
           <a:srcRect/>
           <a:stretch>
             <a:fillRect/>
@@ -5917,7 +7115,7 @@
           <p:nvPr/>
         </p:nvPicPr>
         <p:blipFill>
-          <a:blip r:embed="rId2" cstate="print"/>
+          <a:blip r:embed="rId3" cstate="print"/>
           <a:srcRect/>
           <a:stretch>
             <a:fillRect/>
@@ -5943,7 +7141,7 @@
           <p:nvPr/>
         </p:nvPicPr>
         <p:blipFill>
-          <a:blip r:embed="rId2" cstate="print"/>
+          <a:blip r:embed="rId3" cstate="print"/>
           <a:srcRect/>
           <a:stretch>
             <a:fillRect/>
@@ -5969,7 +7167,7 @@
           <p:nvPr/>
         </p:nvPicPr>
         <p:blipFill>
-          <a:blip r:embed="rId2" cstate="print"/>
+          <a:blip r:embed="rId3" cstate="print"/>
           <a:srcRect/>
           <a:stretch>
             <a:fillRect/>
@@ -6247,7 +7445,7 @@
           <p:nvPr/>
         </p:nvPicPr>
         <p:blipFill>
-          <a:blip r:embed="rId2" cstate="print"/>
+          <a:blip r:embed="rId3" cstate="print"/>
           <a:srcRect/>
           <a:stretch>
             <a:fillRect/>
@@ -6273,7 +7471,7 @@
           <p:nvPr/>
         </p:nvPicPr>
         <p:blipFill>
-          <a:blip r:embed="rId2" cstate="print"/>
+          <a:blip r:embed="rId3" cstate="print"/>
           <a:srcRect/>
           <a:stretch>
             <a:fillRect/>
@@ -6299,7 +7497,7 @@
           <p:nvPr/>
         </p:nvPicPr>
         <p:blipFill>
-          <a:blip r:embed="rId2" cstate="print"/>
+          <a:blip r:embed="rId3" cstate="print"/>
           <a:srcRect/>
           <a:stretch>
             <a:fillRect/>
@@ -6325,7 +7523,7 @@
           <p:nvPr/>
         </p:nvPicPr>
         <p:blipFill>
-          <a:blip r:embed="rId2" cstate="print"/>
+          <a:blip r:embed="rId3" cstate="print"/>
           <a:srcRect/>
           <a:stretch>
             <a:fillRect/>
@@ -6585,7 +7783,7 @@
           <p:nvPr/>
         </p:nvPicPr>
         <p:blipFill>
-          <a:blip r:embed="rId2" cstate="print"/>
+          <a:blip r:embed="rId3" cstate="print"/>
           <a:srcRect/>
           <a:stretch>
             <a:fillRect/>
@@ -6611,7 +7809,7 @@
           <p:nvPr/>
         </p:nvPicPr>
         <p:blipFill>
-          <a:blip r:embed="rId2" cstate="print"/>
+          <a:blip r:embed="rId3" cstate="print"/>
           <a:srcRect/>
           <a:stretch>
             <a:fillRect/>
@@ -6637,7 +7835,7 @@
           <p:nvPr/>
         </p:nvPicPr>
         <p:blipFill>
-          <a:blip r:embed="rId2" cstate="print"/>
+          <a:blip r:embed="rId3" cstate="print"/>
           <a:srcRect/>
           <a:stretch>
             <a:fillRect/>
@@ -7513,8 +8711,19 @@
                 <a:latin typeface="Calibri" pitchFamily="34" charset="0"/>
                 <a:cs typeface="Calibri" pitchFamily="34" charset="0"/>
               </a:rPr>
-              <a:t>Chef du projet (plébiscité) :</a:t>
-            </a:r>
+              <a:t>Chef du projet </a:t>
+            </a:r>
+            <a:r>
+              <a:rPr lang="fr-FR" dirty="0" smtClean="0">
+                <a:latin typeface="Calibri" pitchFamily="34" charset="0"/>
+                <a:cs typeface="Calibri" pitchFamily="34" charset="0"/>
+              </a:rPr>
+              <a:t>:</a:t>
+            </a:r>
+            <a:endParaRPr lang="fr-FR" dirty="0" smtClean="0">
+              <a:latin typeface="Calibri" pitchFamily="34" charset="0"/>
+              <a:cs typeface="Calibri" pitchFamily="34" charset="0"/>
+            </a:endParaRPr>
           </a:p>
           <a:p>
             <a:pPr lvl="1"/>
@@ -7523,7 +8732,35 @@
                 <a:latin typeface="Calibri" pitchFamily="34" charset="0"/>
                 <a:cs typeface="Calibri" pitchFamily="34" charset="0"/>
               </a:rPr>
-              <a:t>Benjamin « Is there a pilot on board ?! » Guillon</a:t>
+              <a:t>Benjamin « Is </a:t>
+            </a:r>
+            <a:r>
+              <a:rPr lang="fr-FR" dirty="0" smtClean="0">
+                <a:latin typeface="Calibri" pitchFamily="34" charset="0"/>
+                <a:cs typeface="Calibri" pitchFamily="34" charset="0"/>
+              </a:rPr>
+              <a:t>There A Pilot On </a:t>
+            </a:r>
+            <a:r>
+              <a:rPr lang="fr-FR" dirty="0" err="1" smtClean="0">
+                <a:latin typeface="Calibri" pitchFamily="34" charset="0"/>
+                <a:cs typeface="Calibri" pitchFamily="34" charset="0"/>
+              </a:rPr>
+              <a:t>Board</a:t>
+            </a:r>
+            <a:r>
+              <a:rPr lang="fr-FR" dirty="0" smtClean="0">
+                <a:latin typeface="Calibri" pitchFamily="34" charset="0"/>
+                <a:cs typeface="Calibri" pitchFamily="34" charset="0"/>
+              </a:rPr>
+              <a:t> </a:t>
+            </a:r>
+            <a:r>
+              <a:rPr lang="fr-FR" dirty="0" smtClean="0">
+                <a:latin typeface="Calibri" pitchFamily="34" charset="0"/>
+                <a:cs typeface="Calibri" pitchFamily="34" charset="0"/>
+              </a:rPr>
+              <a:t>?! » Guillon</a:t>
             </a:r>
           </a:p>
           <a:p>
@@ -7569,7 +8806,56 @@
                 <a:latin typeface="Calibri" pitchFamily="34" charset="0"/>
                 <a:cs typeface="Calibri" pitchFamily="34" charset="0"/>
               </a:rPr>
-              <a:t>Adrian « Two-Times-In-Better-Than-One » Gaudebert</a:t>
+              <a:t>Adrian « </a:t>
+            </a:r>
+            <a:r>
+              <a:rPr lang="fr-FR" dirty="0" err="1" smtClean="0">
+                <a:latin typeface="Calibri" pitchFamily="34" charset="0"/>
+                <a:cs typeface="Calibri" pitchFamily="34" charset="0"/>
+              </a:rPr>
+              <a:t>Two</a:t>
+            </a:r>
+            <a:r>
+              <a:rPr lang="fr-FR" dirty="0" smtClean="0">
+                <a:latin typeface="Calibri" pitchFamily="34" charset="0"/>
+                <a:cs typeface="Calibri" pitchFamily="34" charset="0"/>
+              </a:rPr>
+              <a:t> Times In </a:t>
+            </a:r>
+            <a:r>
+              <a:rPr lang="fr-FR" dirty="0" err="1" smtClean="0">
+                <a:latin typeface="Calibri" pitchFamily="34" charset="0"/>
+                <a:cs typeface="Calibri" pitchFamily="34" charset="0"/>
+              </a:rPr>
+              <a:t>Better</a:t>
+            </a:r>
+            <a:r>
+              <a:rPr lang="fr-FR" dirty="0" smtClean="0">
+                <a:latin typeface="Calibri" pitchFamily="34" charset="0"/>
+                <a:cs typeface="Calibri" pitchFamily="34" charset="0"/>
+              </a:rPr>
+              <a:t> </a:t>
+            </a:r>
+            <a:r>
+              <a:rPr lang="fr-FR" dirty="0" err="1" smtClean="0">
+                <a:latin typeface="Calibri" pitchFamily="34" charset="0"/>
+                <a:cs typeface="Calibri" pitchFamily="34" charset="0"/>
+              </a:rPr>
+              <a:t>Than</a:t>
+            </a:r>
+            <a:r>
+              <a:rPr lang="fr-FR" dirty="0" smtClean="0">
+                <a:latin typeface="Calibri" pitchFamily="34" charset="0"/>
+                <a:cs typeface="Calibri" pitchFamily="34" charset="0"/>
+              </a:rPr>
+              <a:t> One</a:t>
+            </a:r>
+            <a:r>
+              <a:rPr lang="fr-FR" dirty="0" smtClean="0">
+                <a:latin typeface="Calibri" pitchFamily="34" charset="0"/>
+                <a:cs typeface="Calibri" pitchFamily="34" charset="0"/>
+              </a:rPr>
+              <a:t> » Gaudebert</a:t>
             </a:r>
           </a:p>
           <a:p>
@@ -7830,7 +9116,7 @@
           <p:nvPr/>
         </p:nvPicPr>
         <p:blipFill>
-          <a:blip r:embed="rId2" cstate="print"/>
+          <a:blip r:embed="rId3" cstate="print"/>
           <a:srcRect/>
           <a:stretch>
             <a:fillRect/>
@@ -8028,7 +9314,7 @@
             <a:endParaRPr lang="fr-FR" dirty="0" smtClean="0">
               <a:latin typeface="Calibri" pitchFamily="34" charset="0"/>
               <a:cs typeface="Calibri" pitchFamily="34" charset="0"/>
-              <a:hlinkClick r:id="rId2"/>
+              <a:hlinkClick r:id="rId3"/>
             </a:endParaRPr>
           </a:p>
           <a:p>
@@ -8037,7 +9323,7 @@
               <a:rPr lang="fr-FR" dirty="0" smtClean="0">
                 <a:latin typeface="Calibri" pitchFamily="34" charset="0"/>
                 <a:cs typeface="Calibri" pitchFamily="34" charset="0"/>
-                <a:hlinkClick r:id="rId2"/>
+                <a:hlinkClick r:id="rId3"/>
               </a:rPr>
               <a:t>http://cakephp.org/</a:t>
             </a:r>
@@ -8074,7 +9360,7 @@
               <a:rPr lang="fr-FR" dirty="0" smtClean="0">
                 <a:latin typeface="Calibri" pitchFamily="34" charset="0"/>
                 <a:cs typeface="Calibri" pitchFamily="34" charset="0"/>
-                <a:hlinkClick r:id="rId3"/>
+                <a:hlinkClick r:id="rId4"/>
               </a:rPr>
               <a:t>http://book.cakephp.org/</a:t>
             </a:r>
@@ -8108,7 +9394,7 @@
           <p:nvPr/>
         </p:nvPicPr>
         <p:blipFill>
-          <a:blip r:embed="rId4" cstate="print"/>
+          <a:blip r:embed="rId5" cstate="print"/>
           <a:srcRect/>
           <a:stretch>
             <a:fillRect/>
@@ -8662,7 +9948,7 @@
           <p:nvPr/>
         </p:nvPicPr>
         <p:blipFill>
-          <a:blip r:embed="rId2" cstate="print"/>
+          <a:blip r:embed="rId3" cstate="print"/>
           <a:srcRect/>
           <a:stretch>
             <a:fillRect/>
@@ -8925,7 +10211,7 @@
           <p:nvPr/>
         </p:nvPicPr>
         <p:blipFill>
-          <a:blip r:embed="rId2" cstate="print"/>
+          <a:blip r:embed="rId3" cstate="print"/>
           <a:srcRect/>
           <a:stretch>
             <a:fillRect/>

--- a/docs/mif16_pres_3122009.pptx
+++ b/docs/mif16_pres_3122009.pptx
@@ -211,7 +211,7 @@
             <a:fld id="{3627E41C-9DED-454A-BA86-B1FB0F2E11DD}" type="datetimeFigureOut">
               <a:rPr lang="fr-FR" smtClean="0"/>
               <a:pPr/>
-              <a:t>01/12/2009</a:t>
+              <a:t>02/12/2009</a:t>
             </a:fld>
             <a:endParaRPr lang="fr-FR" dirty="0"/>
           </a:p>
@@ -278,7 +278,7 @@
             <a:fld id="{4F29158C-6F51-44C6-AF6F-10E4C34981B1}" type="slidenum">
               <a:rPr lang="fr-FR" smtClean="0"/>
               <a:pPr/>
-              <a:t>‹#›</a:t>
+              <a:t>‹N°›</a:t>
             </a:fld>
             <a:endParaRPr lang="fr-FR" dirty="0"/>
           </a:p>
@@ -374,7 +374,7 @@
             <a:fld id="{1A848AD5-F262-4221-8058-E449AA51B277}" type="datetimeFigureOut">
               <a:rPr lang="fr-FR" smtClean="0"/>
               <a:pPr/>
-              <a:t>01/12/2009</a:t>
+              <a:t>02/12/2009</a:t>
             </a:fld>
             <a:endParaRPr lang="fr-FR" dirty="0"/>
           </a:p>
@@ -536,7 +536,7 @@
             <a:fld id="{7EDF6394-A603-432F-BA01-014ADB97624B}" type="slidenum">
               <a:rPr lang="fr-FR" smtClean="0"/>
               <a:pPr/>
-              <a:t>‹#›</a:t>
+              <a:t>‹N°›</a:t>
             </a:fld>
             <a:endParaRPr lang="fr-FR" dirty="0"/>
           </a:p>
@@ -1806,7 +1806,7 @@
           <a:lstStyle/>
           <a:p>
             <a:r>
-              <a:rPr lang="fr-FR" dirty="0" smtClean="0"/>
+              <a:rPr lang="fr-FR" smtClean="0"/>
               <a:t>EG</a:t>
             </a:r>
             <a:endParaRPr lang="fr-FR" dirty="0"/>
@@ -2217,7 +2217,7 @@
             <a:fld id="{2ACE6BAD-AAE8-4B0C-8461-DF193741C2AC}" type="slidenum">
               <a:rPr lang="fr-FR" smtClean="0"/>
               <a:pPr/>
-              <a:t>‹#›</a:t>
+              <a:t>‹N°›</a:t>
             </a:fld>
             <a:endParaRPr lang="fr-FR" dirty="0"/>
           </a:p>
@@ -2571,7 +2571,7 @@
             <a:fld id="{2ACE6BAD-AAE8-4B0C-8461-DF193741C2AC}" type="slidenum">
               <a:rPr lang="fr-FR" smtClean="0"/>
               <a:pPr/>
-              <a:t>‹#›</a:t>
+              <a:t>‹N°›</a:t>
             </a:fld>
             <a:endParaRPr lang="fr-FR" dirty="0"/>
           </a:p>
@@ -2751,7 +2751,7 @@
             <a:fld id="{2ACE6BAD-AAE8-4B0C-8461-DF193741C2AC}" type="slidenum">
               <a:rPr lang="fr-FR" smtClean="0"/>
               <a:pPr/>
-              <a:t>‹#›</a:t>
+              <a:t>‹N°›</a:t>
             </a:fld>
             <a:endParaRPr lang="fr-FR" dirty="0"/>
           </a:p>
@@ -2991,7 +2991,7 @@
             <a:fld id="{2ACE6BAD-AAE8-4B0C-8461-DF193741C2AC}" type="slidenum">
               <a:rPr lang="fr-FR" smtClean="0"/>
               <a:pPr/>
-              <a:t>‹#›</a:t>
+              <a:t>‹N°›</a:t>
             </a:fld>
             <a:endParaRPr lang="fr-FR" dirty="0"/>
           </a:p>
@@ -3275,7 +3275,7 @@
             <a:fld id="{2ACE6BAD-AAE8-4B0C-8461-DF193741C2AC}" type="slidenum">
               <a:rPr lang="fr-FR" smtClean="0"/>
               <a:pPr/>
-              <a:t>‹#›</a:t>
+              <a:t>‹N°›</a:t>
             </a:fld>
             <a:endParaRPr lang="fr-FR" dirty="0"/>
           </a:p>
@@ -3490,7 +3490,7 @@
             <a:fld id="{2ACE6BAD-AAE8-4B0C-8461-DF193741C2AC}" type="slidenum">
               <a:rPr lang="fr-FR" smtClean="0"/>
               <a:pPr/>
-              <a:t>‹#›</a:t>
+              <a:t>‹N°›</a:t>
             </a:fld>
             <a:endParaRPr lang="fr-FR" dirty="0"/>
           </a:p>
@@ -3847,7 +3847,7 @@
             <a:fld id="{2ACE6BAD-AAE8-4B0C-8461-DF193741C2AC}" type="slidenum">
               <a:rPr lang="fr-FR" smtClean="0"/>
               <a:pPr/>
-              <a:t>‹#›</a:t>
+              <a:t>‹N°›</a:t>
             </a:fld>
             <a:endParaRPr lang="fr-FR" dirty="0"/>
           </a:p>
@@ -4084,7 +4084,7 @@
             <a:fld id="{2ACE6BAD-AAE8-4B0C-8461-DF193741C2AC}" type="slidenum">
               <a:rPr lang="fr-FR" smtClean="0"/>
               <a:pPr/>
-              <a:t>‹#›</a:t>
+              <a:t>‹N°›</a:t>
             </a:fld>
             <a:endParaRPr lang="fr-FR" dirty="0"/>
           </a:p>
@@ -4229,7 +4229,7 @@
             <a:fld id="{2ACE6BAD-AAE8-4B0C-8461-DF193741C2AC}" type="slidenum">
               <a:rPr lang="fr-FR" smtClean="0"/>
               <a:pPr/>
-              <a:t>‹#›</a:t>
+              <a:t>‹N°›</a:t>
             </a:fld>
             <a:endParaRPr lang="fr-FR" dirty="0"/>
           </a:p>
@@ -4511,7 +4511,7 @@
             <a:fld id="{2ACE6BAD-AAE8-4B0C-8461-DF193741C2AC}" type="slidenum">
               <a:rPr lang="fr-FR" smtClean="0"/>
               <a:pPr/>
-              <a:t>‹#›</a:t>
+              <a:t>‹N°›</a:t>
             </a:fld>
             <a:endParaRPr lang="fr-FR" dirty="0"/>
           </a:p>
@@ -4923,7 +4923,7 @@
             <a:fld id="{2ACE6BAD-AAE8-4B0C-8461-DF193741C2AC}" type="slidenum">
               <a:rPr lang="fr-FR" smtClean="0"/>
               <a:pPr/>
-              <a:t>‹#›</a:t>
+              <a:t>‹N°›</a:t>
             </a:fld>
             <a:endParaRPr lang="fr-FR" dirty="0"/>
           </a:p>
@@ -5298,7 +5298,7 @@
             <a:fld id="{2ACE6BAD-AAE8-4B0C-8461-DF193741C2AC}" type="slidenum">
               <a:rPr lang="fr-FR" smtClean="0"/>
               <a:pPr/>
-              <a:t>‹#›</a:t>
+              <a:t>‹N°›</a:t>
             </a:fld>
             <a:endParaRPr lang="fr-FR" dirty="0"/>
           </a:p>
@@ -8711,56 +8711,31 @@
                 <a:latin typeface="Calibri" pitchFamily="34" charset="0"/>
                 <a:cs typeface="Calibri" pitchFamily="34" charset="0"/>
               </a:rPr>
-              <a:t>Chef du projet </a:t>
-            </a:r>
+              <a:t>Chef du projet :</a:t>
+            </a:r>
+          </a:p>
+          <a:p>
+            <a:pPr lvl="1"/>
             <a:r>
               <a:rPr lang="fr-FR" dirty="0" smtClean="0">
                 <a:latin typeface="Calibri" pitchFamily="34" charset="0"/>
                 <a:cs typeface="Calibri" pitchFamily="34" charset="0"/>
               </a:rPr>
-              <a:t>:</a:t>
-            </a:r>
-            <a:endParaRPr lang="fr-FR" dirty="0" smtClean="0">
-              <a:latin typeface="Calibri" pitchFamily="34" charset="0"/>
-              <a:cs typeface="Calibri" pitchFamily="34" charset="0"/>
-            </a:endParaRPr>
-          </a:p>
-          <a:p>
-            <a:pPr lvl="1"/>
+              <a:t>Benjamin « Is There A Pilot On </a:t>
+            </a:r>
+            <a:r>
+              <a:rPr lang="fr-FR" dirty="0" err="1" smtClean="0">
+                <a:latin typeface="Calibri" pitchFamily="34" charset="0"/>
+                <a:cs typeface="Calibri" pitchFamily="34" charset="0"/>
+              </a:rPr>
+              <a:t>Board</a:t>
+            </a:r>
             <a:r>
               <a:rPr lang="fr-FR" dirty="0" smtClean="0">
                 <a:latin typeface="Calibri" pitchFamily="34" charset="0"/>
                 <a:cs typeface="Calibri" pitchFamily="34" charset="0"/>
               </a:rPr>
-              <a:t>Benjamin « Is </a:t>
-            </a:r>
-            <a:r>
-              <a:rPr lang="fr-FR" dirty="0" smtClean="0">
-                <a:latin typeface="Calibri" pitchFamily="34" charset="0"/>
-                <a:cs typeface="Calibri" pitchFamily="34" charset="0"/>
-              </a:rPr>
-              <a:t>There A Pilot On </a:t>
-            </a:r>
-            <a:r>
-              <a:rPr lang="fr-FR" dirty="0" err="1" smtClean="0">
-                <a:latin typeface="Calibri" pitchFamily="34" charset="0"/>
-                <a:cs typeface="Calibri" pitchFamily="34" charset="0"/>
-              </a:rPr>
-              <a:t>Board</a:t>
-            </a:r>
-            <a:r>
-              <a:rPr lang="fr-FR" dirty="0" smtClean="0">
-                <a:latin typeface="Calibri" pitchFamily="34" charset="0"/>
-                <a:cs typeface="Calibri" pitchFamily="34" charset="0"/>
-              </a:rPr>
-              <a:t> </a:t>
-            </a:r>
-            <a:r>
-              <a:rPr lang="fr-FR" dirty="0" smtClean="0">
-                <a:latin typeface="Calibri" pitchFamily="34" charset="0"/>
-                <a:cs typeface="Calibri" pitchFamily="34" charset="0"/>
-              </a:rPr>
-              <a:t>?! » Guillon</a:t>
+              <a:t> ?! » Guillon</a:t>
             </a:r>
           </a:p>
           <a:p>
@@ -8848,14 +8823,7 @@
                 <a:latin typeface="Calibri" pitchFamily="34" charset="0"/>
                 <a:cs typeface="Calibri" pitchFamily="34" charset="0"/>
               </a:rPr>
-              <a:t> One</a:t>
-            </a:r>
-            <a:r>
-              <a:rPr lang="fr-FR" dirty="0" smtClean="0">
-                <a:latin typeface="Calibri" pitchFamily="34" charset="0"/>
-                <a:cs typeface="Calibri" pitchFamily="34" charset="0"/>
-              </a:rPr>
-              <a:t> » Gaudebert</a:t>
+              <a:t> One » Gaudebert</a:t>
             </a:r>
           </a:p>
           <a:p>

--- a/docs/mif16_pres_3122009.pptx
+++ b/docs/mif16_pres_3122009.pptx
@@ -1121,6 +1121,41 @@
               <a:rPr lang="fr-FR" dirty="0" smtClean="0"/>
               <a:t>EH</a:t>
             </a:r>
+          </a:p>
+          <a:p>
+            <a:r>
+              <a:rPr lang="fr-FR" dirty="0" smtClean="0"/>
+              <a:t>Savoir</a:t>
+            </a:r>
+            <a:r>
+              <a:rPr lang="fr-FR" baseline="0" dirty="0" smtClean="0"/>
+              <a:t> communiquer et partager des informations avec tout le monde</a:t>
+            </a:r>
+            <a:endParaRPr lang="fr-FR" dirty="0" smtClean="0"/>
+          </a:p>
+          <a:p>
+            <a:r>
+              <a:rPr lang="fr-FR" dirty="0" smtClean="0"/>
+              <a:t>Chacun apporte ses propres</a:t>
+            </a:r>
+            <a:r>
+              <a:rPr lang="fr-FR" baseline="0" dirty="0" smtClean="0"/>
+              <a:t> compétences ce qui permet de s’entre-aider et d’avancer plus efficacement</a:t>
+            </a:r>
+          </a:p>
+          <a:p>
+            <a:r>
+              <a:rPr lang="fr-FR" baseline="0" dirty="0" smtClean="0"/>
+              <a:t>Polyvalence </a:t>
+            </a:r>
+            <a:r>
+              <a:rPr lang="fr-FR" baseline="0" dirty="0" err="1" smtClean="0"/>
+              <a:t>cad</a:t>
+            </a:r>
+            <a:r>
+              <a:rPr lang="fr-FR" baseline="0" dirty="0" smtClean="0"/>
+              <a:t> s’adapter à toutes types de situation et savoir les résoudre</a:t>
+            </a:r>
             <a:endParaRPr lang="fr-FR" dirty="0"/>
           </a:p>
         </p:txBody>
@@ -1206,6 +1241,40 @@
             <a:r>
               <a:rPr lang="fr-FR" dirty="0" smtClean="0"/>
               <a:t>EH</a:t>
+            </a:r>
+          </a:p>
+          <a:p>
+            <a:r>
+              <a:rPr lang="fr-FR" dirty="0" smtClean="0"/>
+              <a:t>Planning</a:t>
+            </a:r>
+            <a:r>
+              <a:rPr lang="fr-FR" baseline="0" dirty="0" smtClean="0"/>
+              <a:t> =&gt; toujours un imprévu qui fait qu’on rentre pas dans les temps. Trop d’inconnu lors de sa création</a:t>
+            </a:r>
+          </a:p>
+          <a:p>
+            <a:r>
+              <a:rPr lang="fr-FR" baseline="0" dirty="0" smtClean="0"/>
+              <a:t>Travail discontinu =&gt; autres UE en // donc pas </a:t>
+            </a:r>
+            <a:r>
+              <a:rPr lang="fr-FR" baseline="0" dirty="0" err="1" smtClean="0"/>
+              <a:t>tjr</a:t>
+            </a:r>
+            <a:r>
+              <a:rPr lang="fr-FR" baseline="0" dirty="0" smtClean="0"/>
+              <a:t> dessus au même rythme</a:t>
+            </a:r>
+          </a:p>
+          <a:p>
+            <a:r>
+              <a:rPr lang="fr-FR" baseline="0" dirty="0" smtClean="0"/>
+              <a:t>Temps = quantité de temps </a:t>
+            </a:r>
+            <a:r>
+              <a:rPr lang="fr-FR" baseline="0" smtClean="0"/>
+              <a:t>peu favorable</a:t>
             </a:r>
             <a:endParaRPr lang="fr-FR" dirty="0"/>
           </a:p>
